--- a/Presentation.pptx
+++ b/Presentation.pptx
@@ -5,26 +5,27 @@
     <p:sldMasterId id="2147483648" r:id="rId1"/>
   </p:sldMasterIdLst>
   <p:notesMasterIdLst>
-    <p:notesMasterId r:id="rId19"/>
+    <p:notesMasterId r:id="rId20"/>
   </p:notesMasterIdLst>
   <p:sldIdLst>
     <p:sldId id="256" r:id="rId2"/>
     <p:sldId id="257" r:id="rId3"/>
     <p:sldId id="258" r:id="rId4"/>
     <p:sldId id="259" r:id="rId5"/>
-    <p:sldId id="260" r:id="rId6"/>
-    <p:sldId id="261" r:id="rId7"/>
-    <p:sldId id="262" r:id="rId8"/>
-    <p:sldId id="263" r:id="rId9"/>
-    <p:sldId id="264" r:id="rId10"/>
-    <p:sldId id="265" r:id="rId11"/>
-    <p:sldId id="266" r:id="rId12"/>
-    <p:sldId id="267" r:id="rId13"/>
-    <p:sldId id="268" r:id="rId14"/>
-    <p:sldId id="269" r:id="rId15"/>
-    <p:sldId id="270" r:id="rId16"/>
-    <p:sldId id="271" r:id="rId17"/>
-    <p:sldId id="272" r:id="rId18"/>
+    <p:sldId id="273" r:id="rId6"/>
+    <p:sldId id="260" r:id="rId7"/>
+    <p:sldId id="261" r:id="rId8"/>
+    <p:sldId id="262" r:id="rId9"/>
+    <p:sldId id="263" r:id="rId10"/>
+    <p:sldId id="264" r:id="rId11"/>
+    <p:sldId id="265" r:id="rId12"/>
+    <p:sldId id="266" r:id="rId13"/>
+    <p:sldId id="267" r:id="rId14"/>
+    <p:sldId id="268" r:id="rId15"/>
+    <p:sldId id="269" r:id="rId16"/>
+    <p:sldId id="270" r:id="rId17"/>
+    <p:sldId id="271" r:id="rId18"/>
+    <p:sldId id="272" r:id="rId19"/>
   </p:sldIdLst>
   <p:sldSz cx="24384000" cy="13716000"/>
   <p:notesSz cx="6858000" cy="9144000"/>
@@ -4004,6 +4005,735 @@
       </p:grpSpPr>
       <p:sp>
         <p:nvSpPr>
+          <p:cNvPr id="187" name="Age and diagnosis"/>
+          <p:cNvSpPr txBox="1">
+            <a:spLocks noGrp="1"/>
+          </p:cNvSpPr>
+          <p:nvPr>
+            <p:ph type="title"/>
+          </p:nvPr>
+        </p:nvSpPr>
+        <p:spPr>
+          <a:xfrm>
+            <a:off x="1206500" y="1079500"/>
+            <a:ext cx="19130251" cy="1428883"/>
+          </a:xfrm>
+          <a:prstGeom prst="rect">
+            <a:avLst/>
+          </a:prstGeom>
+        </p:spPr>
+        <p:txBody>
+          <a:bodyPr/>
+          <a:lstStyle>
+            <a:lvl1pPr defTabSz="825500">
+              <a:lnSpc>
+                <a:spcPct val="100000"/>
+              </a:lnSpc>
+              <a:defRPr sz="5500" spc="0"/>
+            </a:lvl1pPr>
+          </a:lstStyle>
+          <a:p>
+            <a:r>
+              <a:t>Age and diagnosis</a:t>
+            </a:r>
+          </a:p>
+        </p:txBody>
+      </p:sp>
+      <mc:AlternateContent xmlns:mc="http://schemas.openxmlformats.org/markup-compatibility/2006">
+        <mc:Choice xmlns:a14="http://schemas.microsoft.com/office/drawing/2010/main" Requires="a14">
+          <p:sp>
+            <p:nvSpPr>
+              <p:cNvPr id="188" name="Kruskal-Wallis test…"/>
+              <p:cNvSpPr txBox="1"/>
+              <p:nvPr/>
+            </p:nvSpPr>
+            <p:spPr>
+              <a:xfrm>
+                <a:off x="910396" y="6343174"/>
+                <a:ext cx="10502679" cy="2531351"/>
+              </a:xfrm>
+              <a:prstGeom prst="rect">
+                <a:avLst/>
+              </a:prstGeom>
+              <a:ln w="12700">
+                <a:miter lim="400000"/>
+              </a:ln>
+              <a:extLst>
+                <a:ext uri="{C572A759-6A51-4108-AA02-DFA0A04FC94B}">
+                  <ma14:wrappingTextBoxFlag xmlns:ma14="http://schemas.microsoft.com/office/mac/drawingml/2011/main" xmlns:m="http://schemas.openxmlformats.org/officeDocument/2006/math" xmlns="" val="1"/>
+                </a:ext>
+              </a:extLst>
+            </p:spPr>
+            <p:txBody>
+              <a:bodyPr lIns="50800" tIns="50800" rIns="50800" bIns="50800" anchor="ctr">
+                <a:spAutoFit/>
+              </a:bodyPr>
+              <a:lstStyle/>
+              <a:p>
+                <a:pPr marL="609600" indent="-609600" algn="l">
+                  <a:lnSpc>
+                    <a:spcPct val="90000"/>
+                  </a:lnSpc>
+                  <a:spcBef>
+                    <a:spcPts val="4500"/>
+                  </a:spcBef>
+                  <a:buSzPct val="123000"/>
+                  <a:buChar char="•"/>
+                  <a:defRPr sz="3800">
+                    <a:solidFill>
+                      <a:srgbClr val="000000"/>
+                    </a:solidFill>
+                  </a:defRPr>
+                </a:pPr>
+                <a:r>
+                  <a:t>Kruskal-Wallis test</a:t>
+                </a:r>
+              </a:p>
+              <a:p>
+                <a:pPr marL="609600" indent="-609600" algn="l">
+                  <a:lnSpc>
+                    <a:spcPct val="90000"/>
+                  </a:lnSpc>
+                  <a:spcBef>
+                    <a:spcPts val="4500"/>
+                  </a:spcBef>
+                  <a:buSzPct val="123000"/>
+                  <a:buChar char="•"/>
+                  <a:defRPr sz="3800">
+                    <a:solidFill>
+                      <a:srgbClr val="000000"/>
+                    </a:solidFill>
+                  </a:defRPr>
+                </a:pPr>
+                <a14:m>
+                  <m:oMath xmlns:m="http://schemas.openxmlformats.org/officeDocument/2006/math">
+                    <m:r>
+                      <a:rPr sz="4200" i="1">
+                        <a:solidFill>
+                          <a:srgbClr val="000000"/>
+                        </a:solidFill>
+                        <a:latin typeface="Cambria Math" panose="02040503050406030204" pitchFamily="18" charset="0"/>
+                      </a:rPr>
+                      <m:t>𝑝</m:t>
+                    </m:r>
+                  </m:oMath>
+                </a14:m>
+                <a:r>
+                  <a:t> vrijednost = </a:t>
+                </a:r>
+                <a14:m>
+                  <m:oMath xmlns:m="http://schemas.openxmlformats.org/officeDocument/2006/math">
+                    <m:r>
+                      <a:rPr sz="4650" i="1">
+                        <a:solidFill>
+                          <a:srgbClr val="000000"/>
+                        </a:solidFill>
+                        <a:latin typeface="Cambria Math" panose="02040503050406030204" pitchFamily="18" charset="0"/>
+                      </a:rPr>
+                      <m:t>9.16⋅</m:t>
+                    </m:r>
+                    <m:sSup>
+                      <m:sSupPr>
+                        <m:ctrlPr>
+                          <a:rPr sz="4650" i="1">
+                            <a:solidFill>
+                              <a:srgbClr val="000000"/>
+                            </a:solidFill>
+                            <a:latin typeface="Cambria Math" panose="02040503050406030204" pitchFamily="18" charset="0"/>
+                          </a:rPr>
+                        </m:ctrlPr>
+                      </m:sSupPr>
+                      <m:e>
+                        <m:r>
+                          <a:rPr sz="4650" i="1">
+                            <a:solidFill>
+                              <a:srgbClr val="000000"/>
+                            </a:solidFill>
+                            <a:latin typeface="Cambria Math" panose="02040503050406030204" pitchFamily="18" charset="0"/>
+                          </a:rPr>
+                          <m:t>10</m:t>
+                        </m:r>
+                      </m:e>
+                      <m:sup>
+                        <m:r>
+                          <a:rPr sz="4650" i="1">
+                            <a:solidFill>
+                              <a:srgbClr val="000000"/>
+                            </a:solidFill>
+                            <a:latin typeface="Cambria Math" panose="02040503050406030204" pitchFamily="18" charset="0"/>
+                          </a:rPr>
+                          <m:t>−8</m:t>
+                        </m:r>
+                      </m:sup>
+                    </m:sSup>
+                  </m:oMath>
+                </a14:m>
+                <a:r>
+                  <a:t> &lt; 0.05, odbacujemo  </a:t>
+                </a:r>
+                <a14:m>
+                  <m:oMath xmlns:m="http://schemas.openxmlformats.org/officeDocument/2006/math">
+                    <m:sSub>
+                      <m:sSubPr>
+                        <m:ctrlPr>
+                          <a:rPr sz="4600">
+                            <a:solidFill>
+                              <a:srgbClr val="000000"/>
+                            </a:solidFill>
+                            <a:latin typeface="Cambria Math" panose="02040503050406030204" pitchFamily="18" charset="0"/>
+                          </a:rPr>
+                        </m:ctrlPr>
+                      </m:sSubPr>
+                      <m:e>
+                        <m:r>
+                          <a:rPr sz="4600" i="1">
+                            <a:solidFill>
+                              <a:srgbClr val="000000"/>
+                            </a:solidFill>
+                            <a:latin typeface="Cambria Math" panose="02040503050406030204" pitchFamily="18" charset="0"/>
+                          </a:rPr>
+                          <m:t>𝐻</m:t>
+                        </m:r>
+                      </m:e>
+                      <m:sub>
+                        <m:r>
+                          <a:rPr sz="4600" i="1">
+                            <a:solidFill>
+                              <a:srgbClr val="000000"/>
+                            </a:solidFill>
+                            <a:latin typeface="Cambria Math" panose="02040503050406030204" pitchFamily="18" charset="0"/>
+                          </a:rPr>
+                          <m:t>0</m:t>
+                        </m:r>
+                      </m:sub>
+                    </m:sSub>
+                  </m:oMath>
+                </a14:m>
+                <a:endParaRPr/>
+              </a:p>
+            </p:txBody>
+          </p:sp>
+        </mc:Choice>
+        <mc:Fallback>
+          <p:sp>
+            <p:nvSpPr>
+              <p:cNvPr id="188" name="Kruskal-Wallis test…"/>
+              <p:cNvSpPr txBox="1">
+                <a:spLocks noRot="1" noChangeAspect="1" noMove="1" noResize="1" noEditPoints="1" noAdjustHandles="1" noChangeArrowheads="1" noChangeShapeType="1" noTextEdit="1"/>
+              </p:cNvSpPr>
+              <p:nvPr/>
+            </p:nvSpPr>
+            <p:spPr>
+              <a:xfrm>
+                <a:off x="910396" y="6343174"/>
+                <a:ext cx="10502679" cy="2531351"/>
+              </a:xfrm>
+              <a:prstGeom prst="rect">
+                <a:avLst/>
+              </a:prstGeom>
+              <a:blipFill>
+                <a:blip r:embed="rId2"/>
+                <a:stretch>
+                  <a:fillRect l="-2778" t="-9000" b="-7500"/>
+                </a:stretch>
+              </a:blipFill>
+              <a:ln w="12700">
+                <a:miter lim="400000"/>
+              </a:ln>
+              <a:extLst>
+                <a:ext uri="{C572A759-6A51-4108-AA02-DFA0A04FC94B}">
+                  <ma14:wrappingTextBoxFlag xmlns:ma14="http://schemas.microsoft.com/office/mac/drawingml/2011/main" xmlns:a14="http://schemas.microsoft.com/office/drawing/2010/main" xmlns:m="http://schemas.openxmlformats.org/officeDocument/2006/math" xmlns="" val="1"/>
+                </a:ext>
+              </a:extLst>
+            </p:spPr>
+            <p:txBody>
+              <a:bodyPr/>
+              <a:lstStyle/>
+              <a:p>
+                <a:r>
+                  <a:rPr lang="en-HR">
+                    <a:noFill/>
+                  </a:rPr>
+                  <a:t> </a:t>
+                </a:r>
+              </a:p>
+            </p:txBody>
+          </p:sp>
+        </mc:Fallback>
+      </mc:AlternateContent>
+      <mc:AlternateContent xmlns:mc="http://schemas.openxmlformats.org/markup-compatibility/2006">
+        <mc:Choice xmlns:a14="http://schemas.microsoft.com/office/drawing/2010/main" Requires="a14">
+          <p:sp>
+            <p:nvSpPr>
+              <p:cNvPr id="189" name="( ne postoji statistički značajna razlika između prosječne dobi pacijenta za svaku kategoriju srčane aritmije)…"/>
+              <p:cNvSpPr txBox="1"/>
+              <p:nvPr/>
+            </p:nvSpPr>
+            <p:spPr>
+              <a:xfrm>
+                <a:off x="727156" y="2787166"/>
+                <a:ext cx="23337400" cy="2227296"/>
+              </a:xfrm>
+              <a:prstGeom prst="rect">
+                <a:avLst/>
+              </a:prstGeom>
+              <a:ln w="12700">
+                <a:miter lim="400000"/>
+              </a:ln>
+              <a:extLst>
+                <a:ext uri="{C572A759-6A51-4108-AA02-DFA0A04FC94B}">
+                  <ma14:wrappingTextBoxFlag xmlns:ma14="http://schemas.microsoft.com/office/mac/drawingml/2011/main" xmlns:m="http://schemas.openxmlformats.org/officeDocument/2006/math" xmlns="" val="1"/>
+                </a:ext>
+              </a:extLst>
+            </p:spPr>
+            <p:txBody>
+              <a:bodyPr lIns="50800" tIns="50800" rIns="50800" bIns="50800" anchor="ctr">
+                <a:spAutoFit/>
+              </a:bodyPr>
+              <a:lstStyle/>
+              <a:p>
+                <a:pPr marL="609599" indent="-609599" algn="l">
+                  <a:lnSpc>
+                    <a:spcPct val="90000"/>
+                  </a:lnSpc>
+                  <a:spcBef>
+                    <a:spcPts val="4500"/>
+                  </a:spcBef>
+                  <a:buSzPct val="123000"/>
+                  <a:buChar char="•"/>
+                  <a:defRPr sz="3100">
+                    <a:solidFill>
+                      <a:srgbClr val="000000"/>
+                    </a:solidFill>
+                  </a:defRPr>
+                </a:pPr>
+                <a14:m>
+                  <m:oMath xmlns:m="http://schemas.openxmlformats.org/officeDocument/2006/math">
+                    <m:sSub>
+                      <m:sSubPr>
+                        <m:ctrlPr>
+                          <a:rPr sz="3700">
+                            <a:solidFill>
+                              <a:srgbClr val="000000"/>
+                            </a:solidFill>
+                            <a:latin typeface="Cambria Math" panose="02040503050406030204" pitchFamily="18" charset="0"/>
+                          </a:rPr>
+                        </m:ctrlPr>
+                      </m:sSubPr>
+                      <m:e>
+                        <m:r>
+                          <a:rPr sz="3700" i="1">
+                            <a:solidFill>
+                              <a:srgbClr val="000000"/>
+                            </a:solidFill>
+                            <a:latin typeface="Cambria Math" panose="02040503050406030204" pitchFamily="18" charset="0"/>
+                          </a:rPr>
+                          <m:t>𝐻</m:t>
+                        </m:r>
+                      </m:e>
+                      <m:sub>
+                        <m:r>
+                          <a:rPr sz="3700" i="1">
+                            <a:solidFill>
+                              <a:srgbClr val="000000"/>
+                            </a:solidFill>
+                            <a:latin typeface="Cambria Math" panose="02040503050406030204" pitchFamily="18" charset="0"/>
+                          </a:rPr>
+                          <m:t>0</m:t>
+                        </m:r>
+                      </m:sub>
+                    </m:sSub>
+                    <m:r>
+                      <a:rPr sz="3700" i="1">
+                        <a:solidFill>
+                          <a:srgbClr val="000000"/>
+                        </a:solidFill>
+                        <a:latin typeface="Cambria Math" panose="02040503050406030204" pitchFamily="18" charset="0"/>
+                      </a:rPr>
+                      <m:t>:</m:t>
+                    </m:r>
+                    <m:sSub>
+                      <m:sSubPr>
+                        <m:ctrlPr>
+                          <a:rPr sz="3700" i="1">
+                            <a:solidFill>
+                              <a:srgbClr val="000000"/>
+                            </a:solidFill>
+                            <a:latin typeface="Cambria Math" panose="02040503050406030204" pitchFamily="18" charset="0"/>
+                          </a:rPr>
+                        </m:ctrlPr>
+                      </m:sSubPr>
+                      <m:e>
+                        <m:r>
+                          <a:rPr sz="3700" i="1">
+                            <a:solidFill>
+                              <a:srgbClr val="000000"/>
+                            </a:solidFill>
+                            <a:latin typeface="Cambria Math" panose="02040503050406030204" pitchFamily="18" charset="0"/>
+                          </a:rPr>
+                          <m:t>𝜇</m:t>
+                        </m:r>
+                      </m:e>
+                      <m:sub>
+                        <m:r>
+                          <a:rPr sz="3700" i="1">
+                            <a:solidFill>
+                              <a:srgbClr val="000000"/>
+                            </a:solidFill>
+                            <a:latin typeface="Cambria Math" panose="02040503050406030204" pitchFamily="18" charset="0"/>
+                          </a:rPr>
+                          <m:t>1</m:t>
+                        </m:r>
+                      </m:sub>
+                    </m:sSub>
+                    <m:r>
+                      <a:rPr sz="3700" i="1">
+                        <a:solidFill>
+                          <a:srgbClr val="000000"/>
+                        </a:solidFill>
+                        <a:latin typeface="Cambria Math" panose="02040503050406030204" pitchFamily="18" charset="0"/>
+                      </a:rPr>
+                      <m:t>=</m:t>
+                    </m:r>
+                    <m:sSub>
+                      <m:sSubPr>
+                        <m:ctrlPr>
+                          <a:rPr sz="3700" i="1">
+                            <a:solidFill>
+                              <a:srgbClr val="000000"/>
+                            </a:solidFill>
+                            <a:latin typeface="Cambria Math" panose="02040503050406030204" pitchFamily="18" charset="0"/>
+                          </a:rPr>
+                        </m:ctrlPr>
+                      </m:sSubPr>
+                      <m:e>
+                        <m:r>
+                          <a:rPr sz="3700" i="1">
+                            <a:solidFill>
+                              <a:srgbClr val="000000"/>
+                            </a:solidFill>
+                            <a:latin typeface="Cambria Math" panose="02040503050406030204" pitchFamily="18" charset="0"/>
+                          </a:rPr>
+                          <m:t>𝜇</m:t>
+                        </m:r>
+                      </m:e>
+                      <m:sub>
+                        <m:r>
+                          <a:rPr sz="3700" i="1">
+                            <a:solidFill>
+                              <a:srgbClr val="000000"/>
+                            </a:solidFill>
+                            <a:latin typeface="Cambria Math" panose="02040503050406030204" pitchFamily="18" charset="0"/>
+                          </a:rPr>
+                          <m:t>2</m:t>
+                        </m:r>
+                      </m:sub>
+                    </m:sSub>
+                    <m:r>
+                      <a:rPr sz="3700" i="1">
+                        <a:solidFill>
+                          <a:srgbClr val="000000"/>
+                        </a:solidFill>
+                        <a:latin typeface="Cambria Math" panose="02040503050406030204" pitchFamily="18" charset="0"/>
+                      </a:rPr>
+                      <m:t>=..=</m:t>
+                    </m:r>
+                    <m:sSub>
+                      <m:sSubPr>
+                        <m:ctrlPr>
+                          <a:rPr sz="3700" i="1">
+                            <a:solidFill>
+                              <a:srgbClr val="000000"/>
+                            </a:solidFill>
+                            <a:latin typeface="Cambria Math" panose="02040503050406030204" pitchFamily="18" charset="0"/>
+                          </a:rPr>
+                        </m:ctrlPr>
+                      </m:sSubPr>
+                      <m:e>
+                        <m:r>
+                          <a:rPr sz="3700" i="1">
+                            <a:solidFill>
+                              <a:srgbClr val="000000"/>
+                            </a:solidFill>
+                            <a:latin typeface="Cambria Math" panose="02040503050406030204" pitchFamily="18" charset="0"/>
+                          </a:rPr>
+                          <m:t>𝜇</m:t>
+                        </m:r>
+                      </m:e>
+                      <m:sub>
+                        <m:r>
+                          <a:rPr sz="3700" i="1">
+                            <a:solidFill>
+                              <a:srgbClr val="000000"/>
+                            </a:solidFill>
+                            <a:latin typeface="Cambria Math" panose="02040503050406030204" pitchFamily="18" charset="0"/>
+                          </a:rPr>
+                          <m:t>15</m:t>
+                        </m:r>
+                      </m:sub>
+                    </m:sSub>
+                    <m:r>
+                      <a:rPr sz="3700" i="1">
+                        <a:solidFill>
+                          <a:srgbClr val="000000"/>
+                        </a:solidFill>
+                        <a:latin typeface="Cambria Math" panose="02040503050406030204" pitchFamily="18" charset="0"/>
+                      </a:rPr>
+                      <m:t>=</m:t>
+                    </m:r>
+                    <m:sSub>
+                      <m:sSubPr>
+                        <m:ctrlPr>
+                          <a:rPr sz="3700" i="1">
+                            <a:solidFill>
+                              <a:srgbClr val="000000"/>
+                            </a:solidFill>
+                            <a:latin typeface="Cambria Math" panose="02040503050406030204" pitchFamily="18" charset="0"/>
+                          </a:rPr>
+                        </m:ctrlPr>
+                      </m:sSubPr>
+                      <m:e>
+                        <m:r>
+                          <a:rPr sz="3700" i="1">
+                            <a:solidFill>
+                              <a:srgbClr val="000000"/>
+                            </a:solidFill>
+                            <a:latin typeface="Cambria Math" panose="02040503050406030204" pitchFamily="18" charset="0"/>
+                          </a:rPr>
+                          <m:t>𝜇</m:t>
+                        </m:r>
+                      </m:e>
+                      <m:sub>
+                        <m:r>
+                          <a:rPr sz="3700" i="1">
+                            <a:solidFill>
+                              <a:srgbClr val="000000"/>
+                            </a:solidFill>
+                            <a:latin typeface="Cambria Math" panose="02040503050406030204" pitchFamily="18" charset="0"/>
+                          </a:rPr>
+                          <m:t>16</m:t>
+                        </m:r>
+                      </m:sub>
+                    </m:sSub>
+                  </m:oMath>
+                </a14:m>
+                <a:r>
+                  <a:t>  ( ne postoji statistički značajna razlika između prosječne dobi pacijenta za svaku kategoriju srčane aritmije)</a:t>
+                </a:r>
+              </a:p>
+              <a:p>
+                <a:pPr marL="609599" indent="-609599" algn="l">
+                  <a:lnSpc>
+                    <a:spcPct val="90000"/>
+                  </a:lnSpc>
+                  <a:spcBef>
+                    <a:spcPts val="4500"/>
+                  </a:spcBef>
+                  <a:buSzPct val="123000"/>
+                  <a:buChar char="•"/>
+                  <a:defRPr sz="3100">
+                    <a:solidFill>
+                      <a:srgbClr val="000000"/>
+                    </a:solidFill>
+                  </a:defRPr>
+                </a:pPr>
+                <a14:m>
+                  <m:oMath xmlns:m="http://schemas.openxmlformats.org/officeDocument/2006/math">
+                    <m:sSub>
+                      <m:sSubPr>
+                        <m:ctrlPr>
+                          <a:rPr sz="3700">
+                            <a:solidFill>
+                              <a:srgbClr val="000000"/>
+                            </a:solidFill>
+                            <a:latin typeface="Cambria Math" panose="02040503050406030204" pitchFamily="18" charset="0"/>
+                          </a:rPr>
+                        </m:ctrlPr>
+                      </m:sSubPr>
+                      <m:e>
+                        <m:r>
+                          <a:rPr sz="3700" i="1">
+                            <a:solidFill>
+                              <a:srgbClr val="000000"/>
+                            </a:solidFill>
+                            <a:latin typeface="Cambria Math" panose="02040503050406030204" pitchFamily="18" charset="0"/>
+                          </a:rPr>
+                          <m:t>𝐻</m:t>
+                        </m:r>
+                      </m:e>
+                      <m:sub>
+                        <m:r>
+                          <a:rPr sz="3700" i="1">
+                            <a:solidFill>
+                              <a:srgbClr val="000000"/>
+                            </a:solidFill>
+                            <a:latin typeface="Cambria Math" panose="02040503050406030204" pitchFamily="18" charset="0"/>
+                          </a:rPr>
+                          <m:t>1</m:t>
+                        </m:r>
+                      </m:sub>
+                    </m:sSub>
+                    <m:r>
+                      <a:rPr sz="3700" i="1">
+                        <a:solidFill>
+                          <a:srgbClr val="000000"/>
+                        </a:solidFill>
+                        <a:latin typeface="Cambria Math" panose="02040503050406030204" pitchFamily="18" charset="0"/>
+                      </a:rPr>
+                      <m:t>=</m:t>
+                    </m:r>
+                  </m:oMath>
+                </a14:m>
+                <a:r>
+                  <a:t>ne </a:t>
+                </a:r>
+                <a14:m>
+                  <m:oMath xmlns:m="http://schemas.openxmlformats.org/officeDocument/2006/math">
+                    <m:sSub>
+                      <m:sSubPr>
+                        <m:ctrlPr>
+                          <a:rPr sz="3750">
+                            <a:solidFill>
+                              <a:srgbClr val="000000"/>
+                            </a:solidFill>
+                            <a:latin typeface="Cambria Math" panose="02040503050406030204" pitchFamily="18" charset="0"/>
+                          </a:rPr>
+                        </m:ctrlPr>
+                      </m:sSubPr>
+                      <m:e>
+                        <m:r>
+                          <a:rPr sz="3750" i="1">
+                            <a:solidFill>
+                              <a:srgbClr val="000000"/>
+                            </a:solidFill>
+                            <a:latin typeface="Cambria Math" panose="02040503050406030204" pitchFamily="18" charset="0"/>
+                          </a:rPr>
+                          <m:t>𝐻</m:t>
+                        </m:r>
+                      </m:e>
+                      <m:sub>
+                        <m:r>
+                          <a:rPr sz="3750" i="1">
+                            <a:solidFill>
+                              <a:srgbClr val="000000"/>
+                            </a:solidFill>
+                            <a:latin typeface="Cambria Math" panose="02040503050406030204" pitchFamily="18" charset="0"/>
+                          </a:rPr>
+                          <m:t>0</m:t>
+                        </m:r>
+                      </m:sub>
+                    </m:sSub>
+                  </m:oMath>
+                </a14:m>
+                <a:r>
+                  <a:t>, tj. postoji statistički značajna razlika između prosječne dobi pacijenta za neke kategorije srčane aritmije</a:t>
+                </a:r>
+              </a:p>
+            </p:txBody>
+          </p:sp>
+        </mc:Choice>
+        <mc:Fallback>
+          <p:sp>
+            <p:nvSpPr>
+              <p:cNvPr id="189" name="( ne postoji statistički značajna razlika između prosječne dobi pacijenta za svaku kategoriju srčane aritmije)…"/>
+              <p:cNvSpPr txBox="1">
+                <a:spLocks noRot="1" noChangeAspect="1" noMove="1" noResize="1" noEditPoints="1" noAdjustHandles="1" noChangeArrowheads="1" noChangeShapeType="1" noTextEdit="1"/>
+              </p:cNvSpPr>
+              <p:nvPr/>
+            </p:nvSpPr>
+            <p:spPr>
+              <a:xfrm>
+                <a:off x="727156" y="2787166"/>
+                <a:ext cx="23337400" cy="2227296"/>
+              </a:xfrm>
+              <a:prstGeom prst="rect">
+                <a:avLst/>
+              </a:prstGeom>
+              <a:blipFill>
+                <a:blip r:embed="rId3"/>
+                <a:stretch>
+                  <a:fillRect l="-1088" t="-3955" b="-8475"/>
+                </a:stretch>
+              </a:blipFill>
+              <a:ln w="12700">
+                <a:miter lim="400000"/>
+              </a:ln>
+              <a:extLst>
+                <a:ext uri="{C572A759-6A51-4108-AA02-DFA0A04FC94B}">
+                  <ma14:wrappingTextBoxFlag xmlns:ma14="http://schemas.microsoft.com/office/mac/drawingml/2011/main" xmlns:a14="http://schemas.microsoft.com/office/drawing/2010/main" xmlns:m="http://schemas.openxmlformats.org/officeDocument/2006/math" xmlns="" val="1"/>
+                </a:ext>
+              </a:extLst>
+            </p:spPr>
+            <p:txBody>
+              <a:bodyPr/>
+              <a:lstStyle/>
+              <a:p>
+                <a:r>
+                  <a:rPr lang="en-HR">
+                    <a:noFill/>
+                  </a:rPr>
+                  <a:t> </a:t>
+                </a:r>
+              </a:p>
+            </p:txBody>
+          </p:sp>
+        </mc:Fallback>
+      </mc:AlternateContent>
+      <p:pic>
+        <p:nvPicPr>
+          <p:cNvPr id="190" name="fb36cd4d-2b21-4683-9ced-d0f2c9fce01f.png" descr="fb36cd4d-2b21-4683-9ced-d0f2c9fce01f.png"/>
+          <p:cNvPicPr>
+            <a:picLocks noChangeAspect="1"/>
+          </p:cNvPicPr>
+          <p:nvPr/>
+        </p:nvPicPr>
+        <p:blipFill>
+          <a:blip r:embed="rId4"/>
+          <a:stretch>
+            <a:fillRect/>
+          </a:stretch>
+        </p:blipFill>
+        <p:spPr>
+          <a:xfrm>
+            <a:off x="14487996" y="5293245"/>
+            <a:ext cx="7982045" cy="7982046"/>
+          </a:xfrm>
+          <a:prstGeom prst="rect">
+            <a:avLst/>
+          </a:prstGeom>
+          <a:ln w="12700">
+            <a:miter lim="400000"/>
+          </a:ln>
+        </p:spPr>
+      </p:pic>
+    </p:spTree>
+  </p:cSld>
+  <p:clrMapOvr>
+    <a:masterClrMapping/>
+  </p:clrMapOvr>
+  <p:transition spd="med"/>
+</p:sld>
+</file>
+
+<file path=ppt/slides/slide11.xml><?xml version="1.0" encoding="utf-8"?>
+<p:sld xmlns:a="http://schemas.openxmlformats.org/drawingml/2006/main" xmlns:r="http://schemas.openxmlformats.org/officeDocument/2006/relationships" xmlns:p="http://schemas.openxmlformats.org/presentationml/2006/main">
+  <p:cSld>
+    <p:spTree>
+      <p:nvGrpSpPr>
+        <p:cNvPr id="1" name=""/>
+        <p:cNvGrpSpPr/>
+        <p:nvPr/>
+      </p:nvGrpSpPr>
+      <p:grpSpPr>
+        <a:xfrm>
+          <a:off x="0" y="0"/>
+          <a:ext cx="0" cy="0"/>
+          <a:chOff x="0" y="0"/>
+          <a:chExt cx="0" cy="0"/>
+        </a:xfrm>
+      </p:grpSpPr>
+      <p:sp>
+        <p:nvSpPr>
           <p:cNvPr id="192" name="Weight and diagnosis"/>
           <p:cNvSpPr txBox="1">
             <a:spLocks noGrp="1"/>
@@ -4680,7 +5410,7 @@
 </p:sld>
 </file>
 
-<file path=ppt/slides/slide11.xml><?xml version="1.0" encoding="utf-8"?>
+<file path=ppt/slides/slide12.xml><?xml version="1.0" encoding="utf-8"?>
 <p:sld xmlns:a="http://schemas.openxmlformats.org/drawingml/2006/main" xmlns:r="http://schemas.openxmlformats.org/officeDocument/2006/relationships" xmlns:p="http://schemas.openxmlformats.org/presentationml/2006/main">
   <p:cSld>
     <p:spTree>
@@ -5325,7 +6055,13 @@
       </mc:AlternateContent>
       <p:pic>
         <p:nvPicPr>
-          <p:cNvPr id="200" name="c45784af-1b6a-4fd2-8c34-797869ef1ad1.png" descr="c45784af-1b6a-4fd2-8c34-797869ef1ad1.png"/>
+          <p:cNvPr id="2" name="Picture 1">
+            <a:extLst>
+              <a:ext uri="{FF2B5EF4-FFF2-40B4-BE49-F238E27FC236}">
+                <a16:creationId xmlns:a16="http://schemas.microsoft.com/office/drawing/2014/main" id="{715599BD-79CF-7242-8434-670F062170F4}"/>
+              </a:ext>
+            </a:extLst>
+          </p:cNvPr>
           <p:cNvPicPr>
             <a:picLocks noChangeAspect="1"/>
           </p:cNvPicPr>
@@ -5339,15 +6075,12 @@
         </p:blipFill>
         <p:spPr>
           <a:xfrm>
-            <a:off x="14200996" y="5293245"/>
-            <a:ext cx="7935057" cy="7935057"/>
+            <a:off x="14071600" y="5295561"/>
+            <a:ext cx="8661399" cy="8210693"/>
           </a:xfrm>
           <a:prstGeom prst="rect">
             <a:avLst/>
           </a:prstGeom>
-          <a:ln w="12700">
-            <a:miter lim="400000"/>
-          </a:ln>
         </p:spPr>
       </p:pic>
     </p:spTree>
@@ -5359,7 +6092,7 @@
 </p:sld>
 </file>
 
-<file path=ppt/slides/slide12.xml><?xml version="1.0" encoding="utf-8"?>
+<file path=ppt/slides/slide13.xml><?xml version="1.0" encoding="utf-8"?>
 <p:sld xmlns:a="http://schemas.openxmlformats.org/drawingml/2006/main" xmlns:r="http://schemas.openxmlformats.org/officeDocument/2006/relationships" xmlns:p="http://schemas.openxmlformats.org/presentationml/2006/main">
   <p:cSld>
     <p:spTree>
@@ -6088,7 +6821,7 @@
 </p:sld>
 </file>
 
-<file path=ppt/slides/slide13.xml><?xml version="1.0" encoding="utf-8"?>
+<file path=ppt/slides/slide14.xml><?xml version="1.0" encoding="utf-8"?>
 <p:sld xmlns:a="http://schemas.openxmlformats.org/drawingml/2006/main" xmlns:r="http://schemas.openxmlformats.org/officeDocument/2006/relationships" xmlns:p="http://schemas.openxmlformats.org/presentationml/2006/main">
   <p:cSld>
     <p:spTree>
@@ -6157,8 +6890,8 @@
         </p:blipFill>
         <p:spPr>
           <a:xfrm>
-            <a:off x="12185425" y="4957269"/>
-            <a:ext cx="11734063" cy="8590455"/>
+            <a:off x="12820425" y="5832091"/>
+            <a:ext cx="10502679" cy="7688964"/>
           </a:xfrm>
           <a:prstGeom prst="rect">
             <a:avLst/>
@@ -6730,7 +7463,7 @@
 </p:sld>
 </file>
 
-<file path=ppt/slides/slide14.xml><?xml version="1.0" encoding="utf-8"?>
+<file path=ppt/slides/slide15.xml><?xml version="1.0" encoding="utf-8"?>
 <p:sld xmlns:a="http://schemas.openxmlformats.org/drawingml/2006/main" xmlns:r="http://schemas.openxmlformats.org/officeDocument/2006/relationships" xmlns:p="http://schemas.openxmlformats.org/presentationml/2006/main">
   <p:cSld>
     <p:spTree>
@@ -6797,7 +7530,7 @@
 </p:sld>
 </file>
 
-<file path=ppt/slides/slide15.xml><?xml version="1.0" encoding="utf-8"?>
+<file path=ppt/slides/slide16.xml><?xml version="1.0" encoding="utf-8"?>
 <p:sld xmlns:a="http://schemas.openxmlformats.org/drawingml/2006/main" xmlns:r="http://schemas.openxmlformats.org/officeDocument/2006/relationships" xmlns:p="http://schemas.openxmlformats.org/presentationml/2006/main">
   <p:cSld>
     <p:spTree>
@@ -6845,6 +7578,7 @@
           </a:lstStyle>
           <a:p>
             <a:r>
+              <a:rPr dirty="0"/>
               <a:t>Danger - unbalanced classes !</a:t>
             </a:r>
           </a:p>
@@ -6852,7 +7586,13 @@
       </p:sp>
       <p:pic>
         <p:nvPicPr>
-          <p:cNvPr id="217" name="9f602ce6-9d2a-4edd-98ce-b00dad78f686.png" descr="9f602ce6-9d2a-4edd-98ce-b00dad78f686.png"/>
+          <p:cNvPr id="2" name="Picture 1">
+            <a:extLst>
+              <a:ext uri="{FF2B5EF4-FFF2-40B4-BE49-F238E27FC236}">
+                <a16:creationId xmlns:a16="http://schemas.microsoft.com/office/drawing/2014/main" id="{D8850966-3864-EF4F-A3E0-576219A3A49A}"/>
+              </a:ext>
+            </a:extLst>
+          </p:cNvPr>
           <p:cNvPicPr>
             <a:picLocks noChangeAspect="1"/>
           </p:cNvPicPr>
@@ -6866,17 +7606,127 @@
         </p:blipFill>
         <p:spPr>
           <a:xfrm>
-            <a:off x="1068487" y="3262985"/>
-            <a:ext cx="9786334" cy="6515570"/>
+            <a:off x="1571554" y="3667125"/>
+            <a:ext cx="9395528" cy="7169150"/>
           </a:xfrm>
           <a:prstGeom prst="rect">
             <a:avLst/>
           </a:prstGeom>
-          <a:ln w="12700">
+        </p:spPr>
+      </p:pic>
+      <p:pic>
+        <p:nvPicPr>
+          <p:cNvPr id="3" name="Picture 2">
+            <a:extLst>
+              <a:ext uri="{FF2B5EF4-FFF2-40B4-BE49-F238E27FC236}">
+                <a16:creationId xmlns:a16="http://schemas.microsoft.com/office/drawing/2014/main" id="{A0181D36-660A-9247-AF8D-0C573FE61414}"/>
+              </a:ext>
+            </a:extLst>
+          </p:cNvPr>
+          <p:cNvPicPr>
+            <a:picLocks noChangeAspect="1"/>
+          </p:cNvPicPr>
+          <p:nvPr/>
+        </p:nvPicPr>
+        <p:blipFill>
+          <a:blip r:embed="rId3"/>
+          <a:stretch>
+            <a:fillRect/>
+          </a:stretch>
+        </p:blipFill>
+        <p:spPr>
+          <a:xfrm>
+            <a:off x="12973051" y="3620575"/>
+            <a:ext cx="9839395" cy="7279200"/>
+          </a:xfrm>
+          <a:prstGeom prst="rect">
+            <a:avLst/>
+          </a:prstGeom>
+        </p:spPr>
+      </p:pic>
+      <p:sp>
+        <p:nvSpPr>
+          <p:cNvPr id="4" name="Right Arrow 3">
+            <a:extLst>
+              <a:ext uri="{FF2B5EF4-FFF2-40B4-BE49-F238E27FC236}">
+                <a16:creationId xmlns:a16="http://schemas.microsoft.com/office/drawing/2014/main" id="{ED632F78-8EF1-D54F-93C7-80F374CEA788}"/>
+              </a:ext>
+            </a:extLst>
+          </p:cNvPr>
+          <p:cNvSpPr/>
+          <p:nvPr/>
+        </p:nvSpPr>
+        <p:spPr>
+          <a:xfrm>
+            <a:off x="11591925" y="6464300"/>
+            <a:ext cx="965200" cy="787400"/>
+          </a:xfrm>
+          <a:prstGeom prst="rightArrow">
+            <a:avLst/>
+          </a:prstGeom>
+          <a:solidFill>
+            <a:srgbClr val="F47971"/>
+          </a:solidFill>
+          <a:ln w="12700" cap="flat">
+            <a:solidFill>
+              <a:schemeClr val="tx1"/>
+            </a:solidFill>
             <a:miter lim="400000"/>
           </a:ln>
+          <a:effectLst/>
+          <a:sp3d/>
         </p:spPr>
-      </p:pic>
+        <p:style>
+          <a:lnRef idx="0">
+            <a:scrgbClr r="0" g="0" b="0"/>
+          </a:lnRef>
+          <a:fillRef idx="0">
+            <a:scrgbClr r="0" g="0" b="0"/>
+          </a:fillRef>
+          <a:effectRef idx="0">
+            <a:scrgbClr r="0" g="0" b="0"/>
+          </a:effectRef>
+          <a:fontRef idx="none"/>
+        </p:style>
+        <p:txBody>
+          <a:bodyPr rot="0" spcFirstLastPara="1" vertOverflow="overflow" horzOverflow="overflow" vert="horz" wrap="square" lIns="50800" tIns="50800" rIns="50800" bIns="50800" numCol="1" spcCol="38100" rtlCol="0" anchor="ctr">
+            <a:spAutoFit/>
+          </a:bodyPr>
+          <a:lstStyle/>
+          <a:p>
+            <a:pPr marL="0" marR="0" indent="0" algn="ctr" defTabSz="825500" rtl="0" fontAlgn="auto" latinLnBrk="0" hangingPunct="0">
+              <a:lnSpc>
+                <a:spcPct val="100000"/>
+              </a:lnSpc>
+              <a:spcBef>
+                <a:spcPts val="0"/>
+              </a:spcBef>
+              <a:spcAft>
+                <a:spcPts val="0"/>
+              </a:spcAft>
+              <a:buClrTx/>
+              <a:buSzTx/>
+              <a:buFontTx/>
+              <a:buNone/>
+              <a:tabLst/>
+            </a:pPr>
+            <a:endParaRPr kumimoji="0" lang="en-HR" sz="3200" b="0" i="0" u="none" strike="noStrike" cap="none" spc="0" normalizeH="0" baseline="0">
+              <a:ln>
+                <a:noFill/>
+              </a:ln>
+              <a:solidFill>
+                <a:srgbClr val="FFFFFF"/>
+              </a:solidFill>
+              <a:effectLst/>
+              <a:uFillTx/>
+              <a:latin typeface="Helvetica Neue Medium"/>
+              <a:ea typeface="Helvetica Neue Medium"/>
+              <a:cs typeface="Helvetica Neue Medium"/>
+              <a:sym typeface="Helvetica Neue Medium"/>
+            </a:endParaRPr>
+          </a:p>
+        </p:txBody>
+      </p:sp>
     </p:spTree>
   </p:cSld>
   <p:clrMapOvr>
@@ -6886,7 +7736,7 @@
 </p:sld>
 </file>
 
-<file path=ppt/slides/slide16.xml><?xml version="1.0" encoding="utf-8"?>
+<file path=ppt/slides/slide17.xml><?xml version="1.0" encoding="utf-8"?>
 <p:sld xmlns:a="http://schemas.openxmlformats.org/drawingml/2006/main" xmlns:r="http://schemas.openxmlformats.org/officeDocument/2006/relationships" xmlns:p="http://schemas.openxmlformats.org/presentationml/2006/main">
   <p:cSld>
     <p:spTree>
@@ -6939,6 +7789,7 @@
           </a:lstStyle>
           <a:p>
             <a:r>
+              <a:rPr dirty="0"/>
               <a:t>Model upgrade</a:t>
             </a:r>
           </a:p>
@@ -6953,7 +7804,7 @@
 </p:sld>
 </file>
 
-<file path=ppt/slides/slide17.xml><?xml version="1.0" encoding="utf-8"?>
+<file path=ppt/slides/slide18.xml><?xml version="1.0" encoding="utf-8"?>
 <p:sld xmlns:a="http://schemas.openxmlformats.org/drawingml/2006/main" xmlns:r="http://schemas.openxmlformats.org/officeDocument/2006/relationships" xmlns:p="http://schemas.openxmlformats.org/presentationml/2006/main">
   <p:cSld>
     <p:spTree>
@@ -7177,8 +8028,8 @@
         </p:nvSpPr>
         <p:spPr>
           <a:xfrm>
-            <a:off x="804821" y="7905306"/>
-            <a:ext cx="3550808" cy="1991666"/>
+            <a:off x="775780" y="7466912"/>
+            <a:ext cx="3550808" cy="1395254"/>
           </a:xfrm>
           <a:prstGeom prst="rect">
             <a:avLst/>
@@ -7208,6 +8059,7 @@
               </a:defRPr>
             </a:pPr>
             <a:r>
+              <a:rPr b="1" dirty="0"/>
               <a:t>452 patients </a:t>
             </a:r>
           </a:p>
@@ -7222,6 +8074,7 @@
               </a:defRPr>
             </a:pPr>
             <a:r>
+              <a:rPr b="1" dirty="0"/>
               <a:t>279 features</a:t>
             </a:r>
           </a:p>
@@ -7306,7 +8159,7 @@
         </p:blipFill>
         <p:spPr>
           <a:xfrm>
-            <a:off x="1351916" y="2830688"/>
+            <a:off x="1351916" y="2997750"/>
             <a:ext cx="8644862" cy="8644862"/>
           </a:xfrm>
           <a:prstGeom prst="rect">
@@ -7333,7 +8186,7 @@
         </p:blipFill>
         <p:spPr>
           <a:xfrm>
-            <a:off x="11404934" y="1832389"/>
+            <a:off x="11354134" y="2294570"/>
             <a:ext cx="12089168" cy="10051222"/>
           </a:xfrm>
           <a:prstGeom prst="rect">
@@ -7540,6 +8393,67 @@
           <a:chExt cx="0" cy="0"/>
         </a:xfrm>
       </p:grpSpPr>
+      <p:pic>
+        <p:nvPicPr>
+          <p:cNvPr id="5" name="Picture 4">
+            <a:extLst>
+              <a:ext uri="{FF2B5EF4-FFF2-40B4-BE49-F238E27FC236}">
+                <a16:creationId xmlns:a16="http://schemas.microsoft.com/office/drawing/2014/main" id="{F2BBE8AE-DFA8-FD4D-A052-24D67D670EF5}"/>
+              </a:ext>
+            </a:extLst>
+          </p:cNvPr>
+          <p:cNvPicPr>
+            <a:picLocks noChangeAspect="1"/>
+          </p:cNvPicPr>
+          <p:nvPr/>
+        </p:nvPicPr>
+        <p:blipFill>
+          <a:blip r:embed="rId2"/>
+          <a:stretch>
+            <a:fillRect/>
+          </a:stretch>
+        </p:blipFill>
+        <p:spPr>
+          <a:xfrm>
+            <a:off x="962327" y="1745220"/>
+            <a:ext cx="22459345" cy="10225559"/>
+          </a:xfrm>
+          <a:prstGeom prst="rect">
+            <a:avLst/>
+          </a:prstGeom>
+        </p:spPr>
+      </p:pic>
+    </p:spTree>
+    <p:extLst>
+      <p:ext uri="{BB962C8B-B14F-4D97-AF65-F5344CB8AC3E}">
+        <p14:creationId xmlns:p14="http://schemas.microsoft.com/office/powerpoint/2010/main" val="1590998769"/>
+      </p:ext>
+    </p:extLst>
+  </p:cSld>
+  <p:clrMapOvr>
+    <a:masterClrMapping/>
+  </p:clrMapOvr>
+  <p:transition spd="med"/>
+</p:sld>
+</file>
+
+<file path=ppt/slides/slide6.xml><?xml version="1.0" encoding="utf-8"?>
+<p:sld xmlns:a="http://schemas.openxmlformats.org/drawingml/2006/main" xmlns:r="http://schemas.openxmlformats.org/officeDocument/2006/relationships" xmlns:p="http://schemas.openxmlformats.org/presentationml/2006/main">
+  <p:cSld>
+    <p:spTree>
+      <p:nvGrpSpPr>
+        <p:cNvPr id="1" name=""/>
+        <p:cNvGrpSpPr/>
+        <p:nvPr/>
+      </p:nvGrpSpPr>
+      <p:grpSpPr>
+        <a:xfrm>
+          <a:off x="0" y="0"/>
+          <a:ext cx="0" cy="0"/>
+          <a:chOff x="0" y="0"/>
+          <a:chExt cx="0" cy="0"/>
+        </a:xfrm>
+      </p:grpSpPr>
       <p:sp>
         <p:nvSpPr>
           <p:cNvPr id="171" name="RESEARCH EXPANSION"/>
@@ -7552,7 +8466,7 @@
         </p:nvSpPr>
         <p:spPr>
           <a:xfrm>
-            <a:off x="965031" y="8854769"/>
+            <a:off x="1206499" y="9108769"/>
             <a:ext cx="21971001" cy="1433164"/>
           </a:xfrm>
           <a:prstGeom prst="rect">
@@ -7564,6 +8478,7 @@
           <a:lstStyle/>
           <a:p>
             <a:r>
+              <a:rPr dirty="0"/>
               <a:t>RESEARCH EXPANSION</a:t>
             </a:r>
           </a:p>
@@ -7578,7 +8493,7 @@
 </p:sld>
 </file>
 
-<file path=ppt/slides/slide6.xml><?xml version="1.0" encoding="utf-8"?>
+<file path=ppt/slides/slide7.xml><?xml version="1.0" encoding="utf-8"?>
 <p:sld xmlns:a="http://schemas.openxmlformats.org/drawingml/2006/main" xmlns:r="http://schemas.openxmlformats.org/officeDocument/2006/relationships" xmlns:p="http://schemas.openxmlformats.org/presentationml/2006/main">
   <p:cSld>
     <p:spTree>
@@ -7645,7 +8560,7 @@
 </p:sld>
 </file>
 
-<file path=ppt/slides/slide7.xml><?xml version="1.0" encoding="utf-8"?>
+<file path=ppt/slides/slide8.xml><?xml version="1.0" encoding="utf-8"?>
 <p:sld xmlns:a="http://schemas.openxmlformats.org/drawingml/2006/main" xmlns:r="http://schemas.openxmlformats.org/officeDocument/2006/relationships" xmlns:p="http://schemas.openxmlformats.org/presentationml/2006/main">
   <p:cSld>
     <p:spTree>
@@ -7822,7 +8737,7 @@
         </p:blipFill>
         <p:spPr>
           <a:xfrm>
-            <a:off x="835463" y="9030214"/>
+            <a:off x="835622" y="9360414"/>
             <a:ext cx="7715623" cy="1029955"/>
           </a:xfrm>
           <a:prstGeom prst="rect">
@@ -8099,7 +9014,7 @@
 </p:sld>
 </file>
 
-<file path=ppt/slides/slide8.xml><?xml version="1.0" encoding="utf-8"?>
+<file path=ppt/slides/slide9.xml><?xml version="1.0" encoding="utf-8"?>
 <p:sld xmlns:a="http://schemas.openxmlformats.org/drawingml/2006/main" xmlns:r="http://schemas.openxmlformats.org/officeDocument/2006/relationships" xmlns:p="http://schemas.openxmlformats.org/presentationml/2006/main">
   <p:cSld>
     <p:spTree>
@@ -8179,735 +9094,6 @@
           </a:p>
         </p:txBody>
       </p:sp>
-    </p:spTree>
-  </p:cSld>
-  <p:clrMapOvr>
-    <a:masterClrMapping/>
-  </p:clrMapOvr>
-  <p:transition spd="med"/>
-</p:sld>
-</file>
-
-<file path=ppt/slides/slide9.xml><?xml version="1.0" encoding="utf-8"?>
-<p:sld xmlns:a="http://schemas.openxmlformats.org/drawingml/2006/main" xmlns:r="http://schemas.openxmlformats.org/officeDocument/2006/relationships" xmlns:p="http://schemas.openxmlformats.org/presentationml/2006/main">
-  <p:cSld>
-    <p:spTree>
-      <p:nvGrpSpPr>
-        <p:cNvPr id="1" name=""/>
-        <p:cNvGrpSpPr/>
-        <p:nvPr/>
-      </p:nvGrpSpPr>
-      <p:grpSpPr>
-        <a:xfrm>
-          <a:off x="0" y="0"/>
-          <a:ext cx="0" cy="0"/>
-          <a:chOff x="0" y="0"/>
-          <a:chExt cx="0" cy="0"/>
-        </a:xfrm>
-      </p:grpSpPr>
-      <p:sp>
-        <p:nvSpPr>
-          <p:cNvPr id="187" name="Age and diagnosis"/>
-          <p:cNvSpPr txBox="1">
-            <a:spLocks noGrp="1"/>
-          </p:cNvSpPr>
-          <p:nvPr>
-            <p:ph type="title"/>
-          </p:nvPr>
-        </p:nvSpPr>
-        <p:spPr>
-          <a:xfrm>
-            <a:off x="1206500" y="1079500"/>
-            <a:ext cx="19130251" cy="1428883"/>
-          </a:xfrm>
-          <a:prstGeom prst="rect">
-            <a:avLst/>
-          </a:prstGeom>
-        </p:spPr>
-        <p:txBody>
-          <a:bodyPr/>
-          <a:lstStyle>
-            <a:lvl1pPr defTabSz="825500">
-              <a:lnSpc>
-                <a:spcPct val="100000"/>
-              </a:lnSpc>
-              <a:defRPr sz="5500" spc="0"/>
-            </a:lvl1pPr>
-          </a:lstStyle>
-          <a:p>
-            <a:r>
-              <a:t>Age and diagnosis</a:t>
-            </a:r>
-          </a:p>
-        </p:txBody>
-      </p:sp>
-      <mc:AlternateContent xmlns:mc="http://schemas.openxmlformats.org/markup-compatibility/2006">
-        <mc:Choice xmlns:a14="http://schemas.microsoft.com/office/drawing/2010/main" Requires="a14">
-          <p:sp>
-            <p:nvSpPr>
-              <p:cNvPr id="188" name="Kruskal-Wallis test…"/>
-              <p:cNvSpPr txBox="1"/>
-              <p:nvPr/>
-            </p:nvSpPr>
-            <p:spPr>
-              <a:xfrm>
-                <a:off x="910396" y="6343174"/>
-                <a:ext cx="10502679" cy="2531351"/>
-              </a:xfrm>
-              <a:prstGeom prst="rect">
-                <a:avLst/>
-              </a:prstGeom>
-              <a:ln w="12700">
-                <a:miter lim="400000"/>
-              </a:ln>
-              <a:extLst>
-                <a:ext uri="{C572A759-6A51-4108-AA02-DFA0A04FC94B}">
-                  <ma14:wrappingTextBoxFlag xmlns:ma14="http://schemas.microsoft.com/office/mac/drawingml/2011/main" xmlns:m="http://schemas.openxmlformats.org/officeDocument/2006/math" xmlns="" val="1"/>
-                </a:ext>
-              </a:extLst>
-            </p:spPr>
-            <p:txBody>
-              <a:bodyPr lIns="50800" tIns="50800" rIns="50800" bIns="50800" anchor="ctr">
-                <a:spAutoFit/>
-              </a:bodyPr>
-              <a:lstStyle/>
-              <a:p>
-                <a:pPr marL="609600" indent="-609600" algn="l">
-                  <a:lnSpc>
-                    <a:spcPct val="90000"/>
-                  </a:lnSpc>
-                  <a:spcBef>
-                    <a:spcPts val="4500"/>
-                  </a:spcBef>
-                  <a:buSzPct val="123000"/>
-                  <a:buChar char="•"/>
-                  <a:defRPr sz="3800">
-                    <a:solidFill>
-                      <a:srgbClr val="000000"/>
-                    </a:solidFill>
-                  </a:defRPr>
-                </a:pPr>
-                <a:r>
-                  <a:t>Kruskal-Wallis test</a:t>
-                </a:r>
-              </a:p>
-              <a:p>
-                <a:pPr marL="609600" indent="-609600" algn="l">
-                  <a:lnSpc>
-                    <a:spcPct val="90000"/>
-                  </a:lnSpc>
-                  <a:spcBef>
-                    <a:spcPts val="4500"/>
-                  </a:spcBef>
-                  <a:buSzPct val="123000"/>
-                  <a:buChar char="•"/>
-                  <a:defRPr sz="3800">
-                    <a:solidFill>
-                      <a:srgbClr val="000000"/>
-                    </a:solidFill>
-                  </a:defRPr>
-                </a:pPr>
-                <a14:m>
-                  <m:oMath xmlns:m="http://schemas.openxmlformats.org/officeDocument/2006/math">
-                    <m:r>
-                      <a:rPr sz="4200" i="1">
-                        <a:solidFill>
-                          <a:srgbClr val="000000"/>
-                        </a:solidFill>
-                        <a:latin typeface="Cambria Math" panose="02040503050406030204" pitchFamily="18" charset="0"/>
-                      </a:rPr>
-                      <m:t>𝑝</m:t>
-                    </m:r>
-                  </m:oMath>
-                </a14:m>
-                <a:r>
-                  <a:t> vrijednost = </a:t>
-                </a:r>
-                <a14:m>
-                  <m:oMath xmlns:m="http://schemas.openxmlformats.org/officeDocument/2006/math">
-                    <m:r>
-                      <a:rPr sz="4650" i="1">
-                        <a:solidFill>
-                          <a:srgbClr val="000000"/>
-                        </a:solidFill>
-                        <a:latin typeface="Cambria Math" panose="02040503050406030204" pitchFamily="18" charset="0"/>
-                      </a:rPr>
-                      <m:t>9.16⋅</m:t>
-                    </m:r>
-                    <m:sSup>
-                      <m:sSupPr>
-                        <m:ctrlPr>
-                          <a:rPr sz="4650" i="1">
-                            <a:solidFill>
-                              <a:srgbClr val="000000"/>
-                            </a:solidFill>
-                            <a:latin typeface="Cambria Math" panose="02040503050406030204" pitchFamily="18" charset="0"/>
-                          </a:rPr>
-                        </m:ctrlPr>
-                      </m:sSupPr>
-                      <m:e>
-                        <m:r>
-                          <a:rPr sz="4650" i="1">
-                            <a:solidFill>
-                              <a:srgbClr val="000000"/>
-                            </a:solidFill>
-                            <a:latin typeface="Cambria Math" panose="02040503050406030204" pitchFamily="18" charset="0"/>
-                          </a:rPr>
-                          <m:t>10</m:t>
-                        </m:r>
-                      </m:e>
-                      <m:sup>
-                        <m:r>
-                          <a:rPr sz="4650" i="1">
-                            <a:solidFill>
-                              <a:srgbClr val="000000"/>
-                            </a:solidFill>
-                            <a:latin typeface="Cambria Math" panose="02040503050406030204" pitchFamily="18" charset="0"/>
-                          </a:rPr>
-                          <m:t>−8</m:t>
-                        </m:r>
-                      </m:sup>
-                    </m:sSup>
-                  </m:oMath>
-                </a14:m>
-                <a:r>
-                  <a:t> &lt; 0.05, odbacujemo  </a:t>
-                </a:r>
-                <a14:m>
-                  <m:oMath xmlns:m="http://schemas.openxmlformats.org/officeDocument/2006/math">
-                    <m:sSub>
-                      <m:sSubPr>
-                        <m:ctrlPr>
-                          <a:rPr sz="4600">
-                            <a:solidFill>
-                              <a:srgbClr val="000000"/>
-                            </a:solidFill>
-                            <a:latin typeface="Cambria Math" panose="02040503050406030204" pitchFamily="18" charset="0"/>
-                          </a:rPr>
-                        </m:ctrlPr>
-                      </m:sSubPr>
-                      <m:e>
-                        <m:r>
-                          <a:rPr sz="4600" i="1">
-                            <a:solidFill>
-                              <a:srgbClr val="000000"/>
-                            </a:solidFill>
-                            <a:latin typeface="Cambria Math" panose="02040503050406030204" pitchFamily="18" charset="0"/>
-                          </a:rPr>
-                          <m:t>𝐻</m:t>
-                        </m:r>
-                      </m:e>
-                      <m:sub>
-                        <m:r>
-                          <a:rPr sz="4600" i="1">
-                            <a:solidFill>
-                              <a:srgbClr val="000000"/>
-                            </a:solidFill>
-                            <a:latin typeface="Cambria Math" panose="02040503050406030204" pitchFamily="18" charset="0"/>
-                          </a:rPr>
-                          <m:t>0</m:t>
-                        </m:r>
-                      </m:sub>
-                    </m:sSub>
-                  </m:oMath>
-                </a14:m>
-                <a:endParaRPr/>
-              </a:p>
-            </p:txBody>
-          </p:sp>
-        </mc:Choice>
-        <mc:Fallback>
-          <p:sp>
-            <p:nvSpPr>
-              <p:cNvPr id="188" name="Kruskal-Wallis test…"/>
-              <p:cNvSpPr txBox="1">
-                <a:spLocks noRot="1" noChangeAspect="1" noMove="1" noResize="1" noEditPoints="1" noAdjustHandles="1" noChangeArrowheads="1" noChangeShapeType="1" noTextEdit="1"/>
-              </p:cNvSpPr>
-              <p:nvPr/>
-            </p:nvSpPr>
-            <p:spPr>
-              <a:xfrm>
-                <a:off x="910396" y="6343174"/>
-                <a:ext cx="10502679" cy="2531351"/>
-              </a:xfrm>
-              <a:prstGeom prst="rect">
-                <a:avLst/>
-              </a:prstGeom>
-              <a:blipFill>
-                <a:blip r:embed="rId2"/>
-                <a:stretch>
-                  <a:fillRect l="-2778" t="-9000" b="-7500"/>
-                </a:stretch>
-              </a:blipFill>
-              <a:ln w="12700">
-                <a:miter lim="400000"/>
-              </a:ln>
-              <a:extLst>
-                <a:ext uri="{C572A759-6A51-4108-AA02-DFA0A04FC94B}">
-                  <ma14:wrappingTextBoxFlag xmlns:ma14="http://schemas.microsoft.com/office/mac/drawingml/2011/main" xmlns:a14="http://schemas.microsoft.com/office/drawing/2010/main" xmlns:m="http://schemas.openxmlformats.org/officeDocument/2006/math" xmlns="" val="1"/>
-                </a:ext>
-              </a:extLst>
-            </p:spPr>
-            <p:txBody>
-              <a:bodyPr/>
-              <a:lstStyle/>
-              <a:p>
-                <a:r>
-                  <a:rPr lang="en-HR">
-                    <a:noFill/>
-                  </a:rPr>
-                  <a:t> </a:t>
-                </a:r>
-              </a:p>
-            </p:txBody>
-          </p:sp>
-        </mc:Fallback>
-      </mc:AlternateContent>
-      <mc:AlternateContent xmlns:mc="http://schemas.openxmlformats.org/markup-compatibility/2006">
-        <mc:Choice xmlns:a14="http://schemas.microsoft.com/office/drawing/2010/main" Requires="a14">
-          <p:sp>
-            <p:nvSpPr>
-              <p:cNvPr id="189" name="( ne postoji statistički značajna razlika između prosječne dobi pacijenta za svaku kategoriju srčane aritmije)…"/>
-              <p:cNvSpPr txBox="1"/>
-              <p:nvPr/>
-            </p:nvSpPr>
-            <p:spPr>
-              <a:xfrm>
-                <a:off x="727156" y="2787166"/>
-                <a:ext cx="23337400" cy="2227296"/>
-              </a:xfrm>
-              <a:prstGeom prst="rect">
-                <a:avLst/>
-              </a:prstGeom>
-              <a:ln w="12700">
-                <a:miter lim="400000"/>
-              </a:ln>
-              <a:extLst>
-                <a:ext uri="{C572A759-6A51-4108-AA02-DFA0A04FC94B}">
-                  <ma14:wrappingTextBoxFlag xmlns:ma14="http://schemas.microsoft.com/office/mac/drawingml/2011/main" xmlns:m="http://schemas.openxmlformats.org/officeDocument/2006/math" xmlns="" val="1"/>
-                </a:ext>
-              </a:extLst>
-            </p:spPr>
-            <p:txBody>
-              <a:bodyPr lIns="50800" tIns="50800" rIns="50800" bIns="50800" anchor="ctr">
-                <a:spAutoFit/>
-              </a:bodyPr>
-              <a:lstStyle/>
-              <a:p>
-                <a:pPr marL="609599" indent="-609599" algn="l">
-                  <a:lnSpc>
-                    <a:spcPct val="90000"/>
-                  </a:lnSpc>
-                  <a:spcBef>
-                    <a:spcPts val="4500"/>
-                  </a:spcBef>
-                  <a:buSzPct val="123000"/>
-                  <a:buChar char="•"/>
-                  <a:defRPr sz="3100">
-                    <a:solidFill>
-                      <a:srgbClr val="000000"/>
-                    </a:solidFill>
-                  </a:defRPr>
-                </a:pPr>
-                <a14:m>
-                  <m:oMath xmlns:m="http://schemas.openxmlformats.org/officeDocument/2006/math">
-                    <m:sSub>
-                      <m:sSubPr>
-                        <m:ctrlPr>
-                          <a:rPr sz="3700">
-                            <a:solidFill>
-                              <a:srgbClr val="000000"/>
-                            </a:solidFill>
-                            <a:latin typeface="Cambria Math" panose="02040503050406030204" pitchFamily="18" charset="0"/>
-                          </a:rPr>
-                        </m:ctrlPr>
-                      </m:sSubPr>
-                      <m:e>
-                        <m:r>
-                          <a:rPr sz="3700" i="1">
-                            <a:solidFill>
-                              <a:srgbClr val="000000"/>
-                            </a:solidFill>
-                            <a:latin typeface="Cambria Math" panose="02040503050406030204" pitchFamily="18" charset="0"/>
-                          </a:rPr>
-                          <m:t>𝐻</m:t>
-                        </m:r>
-                      </m:e>
-                      <m:sub>
-                        <m:r>
-                          <a:rPr sz="3700" i="1">
-                            <a:solidFill>
-                              <a:srgbClr val="000000"/>
-                            </a:solidFill>
-                            <a:latin typeface="Cambria Math" panose="02040503050406030204" pitchFamily="18" charset="0"/>
-                          </a:rPr>
-                          <m:t>0</m:t>
-                        </m:r>
-                      </m:sub>
-                    </m:sSub>
-                    <m:r>
-                      <a:rPr sz="3700" i="1">
-                        <a:solidFill>
-                          <a:srgbClr val="000000"/>
-                        </a:solidFill>
-                        <a:latin typeface="Cambria Math" panose="02040503050406030204" pitchFamily="18" charset="0"/>
-                      </a:rPr>
-                      <m:t>:</m:t>
-                    </m:r>
-                    <m:sSub>
-                      <m:sSubPr>
-                        <m:ctrlPr>
-                          <a:rPr sz="3700" i="1">
-                            <a:solidFill>
-                              <a:srgbClr val="000000"/>
-                            </a:solidFill>
-                            <a:latin typeface="Cambria Math" panose="02040503050406030204" pitchFamily="18" charset="0"/>
-                          </a:rPr>
-                        </m:ctrlPr>
-                      </m:sSubPr>
-                      <m:e>
-                        <m:r>
-                          <a:rPr sz="3700" i="1">
-                            <a:solidFill>
-                              <a:srgbClr val="000000"/>
-                            </a:solidFill>
-                            <a:latin typeface="Cambria Math" panose="02040503050406030204" pitchFamily="18" charset="0"/>
-                          </a:rPr>
-                          <m:t>𝜇</m:t>
-                        </m:r>
-                      </m:e>
-                      <m:sub>
-                        <m:r>
-                          <a:rPr sz="3700" i="1">
-                            <a:solidFill>
-                              <a:srgbClr val="000000"/>
-                            </a:solidFill>
-                            <a:latin typeface="Cambria Math" panose="02040503050406030204" pitchFamily="18" charset="0"/>
-                          </a:rPr>
-                          <m:t>1</m:t>
-                        </m:r>
-                      </m:sub>
-                    </m:sSub>
-                    <m:r>
-                      <a:rPr sz="3700" i="1">
-                        <a:solidFill>
-                          <a:srgbClr val="000000"/>
-                        </a:solidFill>
-                        <a:latin typeface="Cambria Math" panose="02040503050406030204" pitchFamily="18" charset="0"/>
-                      </a:rPr>
-                      <m:t>=</m:t>
-                    </m:r>
-                    <m:sSub>
-                      <m:sSubPr>
-                        <m:ctrlPr>
-                          <a:rPr sz="3700" i="1">
-                            <a:solidFill>
-                              <a:srgbClr val="000000"/>
-                            </a:solidFill>
-                            <a:latin typeface="Cambria Math" panose="02040503050406030204" pitchFamily="18" charset="0"/>
-                          </a:rPr>
-                        </m:ctrlPr>
-                      </m:sSubPr>
-                      <m:e>
-                        <m:r>
-                          <a:rPr sz="3700" i="1">
-                            <a:solidFill>
-                              <a:srgbClr val="000000"/>
-                            </a:solidFill>
-                            <a:latin typeface="Cambria Math" panose="02040503050406030204" pitchFamily="18" charset="0"/>
-                          </a:rPr>
-                          <m:t>𝜇</m:t>
-                        </m:r>
-                      </m:e>
-                      <m:sub>
-                        <m:r>
-                          <a:rPr sz="3700" i="1">
-                            <a:solidFill>
-                              <a:srgbClr val="000000"/>
-                            </a:solidFill>
-                            <a:latin typeface="Cambria Math" panose="02040503050406030204" pitchFamily="18" charset="0"/>
-                          </a:rPr>
-                          <m:t>2</m:t>
-                        </m:r>
-                      </m:sub>
-                    </m:sSub>
-                    <m:r>
-                      <a:rPr sz="3700" i="1">
-                        <a:solidFill>
-                          <a:srgbClr val="000000"/>
-                        </a:solidFill>
-                        <a:latin typeface="Cambria Math" panose="02040503050406030204" pitchFamily="18" charset="0"/>
-                      </a:rPr>
-                      <m:t>=..=</m:t>
-                    </m:r>
-                    <m:sSub>
-                      <m:sSubPr>
-                        <m:ctrlPr>
-                          <a:rPr sz="3700" i="1">
-                            <a:solidFill>
-                              <a:srgbClr val="000000"/>
-                            </a:solidFill>
-                            <a:latin typeface="Cambria Math" panose="02040503050406030204" pitchFamily="18" charset="0"/>
-                          </a:rPr>
-                        </m:ctrlPr>
-                      </m:sSubPr>
-                      <m:e>
-                        <m:r>
-                          <a:rPr sz="3700" i="1">
-                            <a:solidFill>
-                              <a:srgbClr val="000000"/>
-                            </a:solidFill>
-                            <a:latin typeface="Cambria Math" panose="02040503050406030204" pitchFamily="18" charset="0"/>
-                          </a:rPr>
-                          <m:t>𝜇</m:t>
-                        </m:r>
-                      </m:e>
-                      <m:sub>
-                        <m:r>
-                          <a:rPr sz="3700" i="1">
-                            <a:solidFill>
-                              <a:srgbClr val="000000"/>
-                            </a:solidFill>
-                            <a:latin typeface="Cambria Math" panose="02040503050406030204" pitchFamily="18" charset="0"/>
-                          </a:rPr>
-                          <m:t>15</m:t>
-                        </m:r>
-                      </m:sub>
-                    </m:sSub>
-                    <m:r>
-                      <a:rPr sz="3700" i="1">
-                        <a:solidFill>
-                          <a:srgbClr val="000000"/>
-                        </a:solidFill>
-                        <a:latin typeface="Cambria Math" panose="02040503050406030204" pitchFamily="18" charset="0"/>
-                      </a:rPr>
-                      <m:t>=</m:t>
-                    </m:r>
-                    <m:sSub>
-                      <m:sSubPr>
-                        <m:ctrlPr>
-                          <a:rPr sz="3700" i="1">
-                            <a:solidFill>
-                              <a:srgbClr val="000000"/>
-                            </a:solidFill>
-                            <a:latin typeface="Cambria Math" panose="02040503050406030204" pitchFamily="18" charset="0"/>
-                          </a:rPr>
-                        </m:ctrlPr>
-                      </m:sSubPr>
-                      <m:e>
-                        <m:r>
-                          <a:rPr sz="3700" i="1">
-                            <a:solidFill>
-                              <a:srgbClr val="000000"/>
-                            </a:solidFill>
-                            <a:latin typeface="Cambria Math" panose="02040503050406030204" pitchFamily="18" charset="0"/>
-                          </a:rPr>
-                          <m:t>𝜇</m:t>
-                        </m:r>
-                      </m:e>
-                      <m:sub>
-                        <m:r>
-                          <a:rPr sz="3700" i="1">
-                            <a:solidFill>
-                              <a:srgbClr val="000000"/>
-                            </a:solidFill>
-                            <a:latin typeface="Cambria Math" panose="02040503050406030204" pitchFamily="18" charset="0"/>
-                          </a:rPr>
-                          <m:t>16</m:t>
-                        </m:r>
-                      </m:sub>
-                    </m:sSub>
-                  </m:oMath>
-                </a14:m>
-                <a:r>
-                  <a:t>  ( ne postoji statistički značajna razlika između prosječne dobi pacijenta za svaku kategoriju srčane aritmije)</a:t>
-                </a:r>
-              </a:p>
-              <a:p>
-                <a:pPr marL="609599" indent="-609599" algn="l">
-                  <a:lnSpc>
-                    <a:spcPct val="90000"/>
-                  </a:lnSpc>
-                  <a:spcBef>
-                    <a:spcPts val="4500"/>
-                  </a:spcBef>
-                  <a:buSzPct val="123000"/>
-                  <a:buChar char="•"/>
-                  <a:defRPr sz="3100">
-                    <a:solidFill>
-                      <a:srgbClr val="000000"/>
-                    </a:solidFill>
-                  </a:defRPr>
-                </a:pPr>
-                <a14:m>
-                  <m:oMath xmlns:m="http://schemas.openxmlformats.org/officeDocument/2006/math">
-                    <m:sSub>
-                      <m:sSubPr>
-                        <m:ctrlPr>
-                          <a:rPr sz="3700">
-                            <a:solidFill>
-                              <a:srgbClr val="000000"/>
-                            </a:solidFill>
-                            <a:latin typeface="Cambria Math" panose="02040503050406030204" pitchFamily="18" charset="0"/>
-                          </a:rPr>
-                        </m:ctrlPr>
-                      </m:sSubPr>
-                      <m:e>
-                        <m:r>
-                          <a:rPr sz="3700" i="1">
-                            <a:solidFill>
-                              <a:srgbClr val="000000"/>
-                            </a:solidFill>
-                            <a:latin typeface="Cambria Math" panose="02040503050406030204" pitchFamily="18" charset="0"/>
-                          </a:rPr>
-                          <m:t>𝐻</m:t>
-                        </m:r>
-                      </m:e>
-                      <m:sub>
-                        <m:r>
-                          <a:rPr sz="3700" i="1">
-                            <a:solidFill>
-                              <a:srgbClr val="000000"/>
-                            </a:solidFill>
-                            <a:latin typeface="Cambria Math" panose="02040503050406030204" pitchFamily="18" charset="0"/>
-                          </a:rPr>
-                          <m:t>1</m:t>
-                        </m:r>
-                      </m:sub>
-                    </m:sSub>
-                    <m:r>
-                      <a:rPr sz="3700" i="1">
-                        <a:solidFill>
-                          <a:srgbClr val="000000"/>
-                        </a:solidFill>
-                        <a:latin typeface="Cambria Math" panose="02040503050406030204" pitchFamily="18" charset="0"/>
-                      </a:rPr>
-                      <m:t>=</m:t>
-                    </m:r>
-                  </m:oMath>
-                </a14:m>
-                <a:r>
-                  <a:t>ne </a:t>
-                </a:r>
-                <a14:m>
-                  <m:oMath xmlns:m="http://schemas.openxmlformats.org/officeDocument/2006/math">
-                    <m:sSub>
-                      <m:sSubPr>
-                        <m:ctrlPr>
-                          <a:rPr sz="3750">
-                            <a:solidFill>
-                              <a:srgbClr val="000000"/>
-                            </a:solidFill>
-                            <a:latin typeface="Cambria Math" panose="02040503050406030204" pitchFamily="18" charset="0"/>
-                          </a:rPr>
-                        </m:ctrlPr>
-                      </m:sSubPr>
-                      <m:e>
-                        <m:r>
-                          <a:rPr sz="3750" i="1">
-                            <a:solidFill>
-                              <a:srgbClr val="000000"/>
-                            </a:solidFill>
-                            <a:latin typeface="Cambria Math" panose="02040503050406030204" pitchFamily="18" charset="0"/>
-                          </a:rPr>
-                          <m:t>𝐻</m:t>
-                        </m:r>
-                      </m:e>
-                      <m:sub>
-                        <m:r>
-                          <a:rPr sz="3750" i="1">
-                            <a:solidFill>
-                              <a:srgbClr val="000000"/>
-                            </a:solidFill>
-                            <a:latin typeface="Cambria Math" panose="02040503050406030204" pitchFamily="18" charset="0"/>
-                          </a:rPr>
-                          <m:t>0</m:t>
-                        </m:r>
-                      </m:sub>
-                    </m:sSub>
-                  </m:oMath>
-                </a14:m>
-                <a:r>
-                  <a:t>, tj. postoji statistički značajna razlika između prosječne dobi pacijenta za neke kategorije srčane aritmije</a:t>
-                </a:r>
-              </a:p>
-            </p:txBody>
-          </p:sp>
-        </mc:Choice>
-        <mc:Fallback>
-          <p:sp>
-            <p:nvSpPr>
-              <p:cNvPr id="189" name="( ne postoji statistički značajna razlika između prosječne dobi pacijenta za svaku kategoriju srčane aritmije)…"/>
-              <p:cNvSpPr txBox="1">
-                <a:spLocks noRot="1" noChangeAspect="1" noMove="1" noResize="1" noEditPoints="1" noAdjustHandles="1" noChangeArrowheads="1" noChangeShapeType="1" noTextEdit="1"/>
-              </p:cNvSpPr>
-              <p:nvPr/>
-            </p:nvSpPr>
-            <p:spPr>
-              <a:xfrm>
-                <a:off x="727156" y="2787166"/>
-                <a:ext cx="23337400" cy="2227296"/>
-              </a:xfrm>
-              <a:prstGeom prst="rect">
-                <a:avLst/>
-              </a:prstGeom>
-              <a:blipFill>
-                <a:blip r:embed="rId3"/>
-                <a:stretch>
-                  <a:fillRect l="-1088" t="-3955" b="-8475"/>
-                </a:stretch>
-              </a:blipFill>
-              <a:ln w="12700">
-                <a:miter lim="400000"/>
-              </a:ln>
-              <a:extLst>
-                <a:ext uri="{C572A759-6A51-4108-AA02-DFA0A04FC94B}">
-                  <ma14:wrappingTextBoxFlag xmlns:ma14="http://schemas.microsoft.com/office/mac/drawingml/2011/main" xmlns:a14="http://schemas.microsoft.com/office/drawing/2010/main" xmlns:m="http://schemas.openxmlformats.org/officeDocument/2006/math" xmlns="" val="1"/>
-                </a:ext>
-              </a:extLst>
-            </p:spPr>
-            <p:txBody>
-              <a:bodyPr/>
-              <a:lstStyle/>
-              <a:p>
-                <a:r>
-                  <a:rPr lang="en-HR">
-                    <a:noFill/>
-                  </a:rPr>
-                  <a:t> </a:t>
-                </a:r>
-              </a:p>
-            </p:txBody>
-          </p:sp>
-        </mc:Fallback>
-      </mc:AlternateContent>
-      <p:pic>
-        <p:nvPicPr>
-          <p:cNvPr id="190" name="fb36cd4d-2b21-4683-9ced-d0f2c9fce01f.png" descr="fb36cd4d-2b21-4683-9ced-d0f2c9fce01f.png"/>
-          <p:cNvPicPr>
-            <a:picLocks noChangeAspect="1"/>
-          </p:cNvPicPr>
-          <p:nvPr/>
-        </p:nvPicPr>
-        <p:blipFill>
-          <a:blip r:embed="rId4"/>
-          <a:stretch>
-            <a:fillRect/>
-          </a:stretch>
-        </p:blipFill>
-        <p:spPr>
-          <a:xfrm>
-            <a:off x="14487996" y="5293245"/>
-            <a:ext cx="7982045" cy="7982046"/>
-          </a:xfrm>
-          <a:prstGeom prst="rect">
-            <a:avLst/>
-          </a:prstGeom>
-          <a:ln w="12700">
-            <a:miter lim="400000"/>
-          </a:ln>
-        </p:spPr>
-      </p:pic>
     </p:spTree>
   </p:cSld>
   <p:clrMapOvr>

--- a/Presentation.pptx
+++ b/Presentation.pptx
@@ -407,6 +407,11 @@
         </p:txBody>
       </p:sp>
     </p:spTree>
+    <p:extLst>
+      <p:ext uri="{BB962C8B-B14F-4D97-AF65-F5344CB8AC3E}">
+        <p14:creationId xmlns:p14="http://schemas.microsoft.com/office/powerpoint/2010/main" val="2848839874"/>
+      </p:ext>
+    </p:extLst>
   </p:cSld>
   <p:clrMap bg1="lt1" tx1="dk1" bg2="lt2" tx2="dk2" accent1="accent1" accent2="accent2" accent3="accent3" accent4="accent4" accent5="accent5" accent6="accent6" hlink="hlink" folHlink="folHlink"/>
   <p:notesStyle>
@@ -2982,7 +2987,7 @@
             <a:spLocks noGrp="1"/>
           </p:cNvSpPr>
           <p:nvPr>
-            <p:ph type="title" hasCustomPrompt="1"/>
+            <p:ph type="title"/>
           </p:nvPr>
         </p:nvSpPr>
         <p:spPr>
@@ -2998,7 +3003,7 @@
           </a:ln>
           <a:extLst>
             <a:ext uri="{C572A759-6A51-4108-AA02-DFA0A04FC94B}">
-              <ma14:wrappingTextBoxFlag xmlns:ma14="http://schemas.microsoft.com/office/mac/drawingml/2011/main" xmlns:a14="http://schemas.microsoft.com/office/drawing/2010/main" xmlns:m="http://schemas.openxmlformats.org/officeDocument/2006/math" xmlns="" val="1"/>
+              <ma14:wrappingTextBoxFlag xmlns="" xmlns:m="http://schemas.openxmlformats.org/officeDocument/2006/math" xmlns:a14="http://schemas.microsoft.com/office/drawing/2010/main" xmlns:ma14="http://schemas.microsoft.com/office/mac/drawingml/2011/main" val="1"/>
             </a:ext>
           </a:extLst>
         </p:spPr>
@@ -3021,7 +3026,7 @@
             <a:spLocks noGrp="1"/>
           </p:cNvSpPr>
           <p:nvPr>
-            <p:ph type="body" idx="1" hasCustomPrompt="1"/>
+            <p:ph type="body" idx="1"/>
           </p:nvPr>
         </p:nvSpPr>
         <p:spPr>
@@ -3037,7 +3042,7 @@
           </a:ln>
           <a:extLst>
             <a:ext uri="{C572A759-6A51-4108-AA02-DFA0A04FC94B}">
-              <ma14:wrappingTextBoxFlag xmlns:ma14="http://schemas.microsoft.com/office/mac/drawingml/2011/main" xmlns:a14="http://schemas.microsoft.com/office/drawing/2010/main" xmlns:m="http://schemas.openxmlformats.org/officeDocument/2006/math" xmlns="" val="1"/>
+              <ma14:wrappingTextBoxFlag xmlns="" xmlns:m="http://schemas.openxmlformats.org/officeDocument/2006/math" xmlns:a14="http://schemas.microsoft.com/office/drawing/2010/main" xmlns:ma14="http://schemas.microsoft.com/office/mac/drawingml/2011/main" val="1"/>
             </a:ext>
           </a:extLst>
         </p:spPr>
@@ -3917,7 +3922,7 @@
           </a:prstGeom>
           <a:extLst>
             <a:ext uri="{C572A759-6A51-4108-AA02-DFA0A04FC94B}">
-              <ma14:wrappingTextBoxFlag xmlns:ma14="http://schemas.microsoft.com/office/mac/drawingml/2011/main" xmlns:a14="http://schemas.microsoft.com/office/drawing/2010/main" xmlns:m="http://schemas.openxmlformats.org/officeDocument/2006/math" xmlns="" val="1"/>
+              <ma14:wrappingTextBoxFlag xmlns="" xmlns:m="http://schemas.openxmlformats.org/officeDocument/2006/math" xmlns:a14="http://schemas.microsoft.com/office/drawing/2010/main" xmlns:ma14="http://schemas.microsoft.com/office/mac/drawingml/2011/main" val="1"/>
             </a:ext>
           </a:extLst>
         </p:spPr>
@@ -4039,8 +4044,8 @@
           </a:p>
         </p:txBody>
       </p:sp>
-      <mc:AlternateContent xmlns:mc="http://schemas.openxmlformats.org/markup-compatibility/2006">
-        <mc:Choice xmlns:a14="http://schemas.microsoft.com/office/drawing/2010/main" Requires="a14">
+      <mc:AlternateContent xmlns:mc="http://schemas.openxmlformats.org/markup-compatibility/2006" xmlns:a14="http://schemas.microsoft.com/office/drawing/2010/main">
+        <mc:Choice Requires="a14">
           <p:sp>
             <p:nvSpPr>
               <p:cNvPr id="188" name="Kruskal-Wallis test…"/>
@@ -4060,7 +4065,7 @@
               </a:ln>
               <a:extLst>
                 <a:ext uri="{C572A759-6A51-4108-AA02-DFA0A04FC94B}">
-                  <ma14:wrappingTextBoxFlag xmlns:ma14="http://schemas.microsoft.com/office/mac/drawingml/2011/main" xmlns:m="http://schemas.openxmlformats.org/officeDocument/2006/math" xmlns="" val="1"/>
+                  <ma14:wrappingTextBoxFlag xmlns="" xmlns:m="http://schemas.openxmlformats.org/officeDocument/2006/math" xmlns:ma14="http://schemas.microsoft.com/office/mac/drawingml/2011/main" val="1"/>
                 </a:ext>
               </a:extLst>
             </p:spPr>
@@ -4139,7 +4144,7 @@
                             <a:solidFill>
                               <a:srgbClr val="000000"/>
                             </a:solidFill>
-                            <a:latin typeface="Cambria Math" panose="02040503050406030204" pitchFamily="18" charset="0"/>
+                            <a:latin typeface="Cambria Math"/>
                           </a:rPr>
                         </m:ctrlPr>
                       </m:sSupPr>
@@ -4176,11 +4181,11 @@
                     <m:sSub>
                       <m:sSubPr>
                         <m:ctrlPr>
-                          <a:rPr sz="4600">
-                            <a:solidFill>
-                              <a:srgbClr val="000000"/>
-                            </a:solidFill>
-                            <a:latin typeface="Cambria Math" panose="02040503050406030204" pitchFamily="18" charset="0"/>
+                          <a:rPr sz="4600" i="1">
+                            <a:solidFill>
+                              <a:srgbClr val="000000"/>
+                            </a:solidFill>
+                            <a:latin typeface="Cambria Math"/>
                           </a:rPr>
                         </m:ctrlPr>
                       </m:sSubPr>
@@ -4214,7 +4219,7 @@
             </p:txBody>
           </p:sp>
         </mc:Choice>
-        <mc:Fallback>
+        <mc:Fallback xmlns="">
           <p:sp>
             <p:nvSpPr>
               <p:cNvPr id="188" name="Kruskal-Wallis test…"/>
@@ -4261,8 +4266,8 @@
           </p:sp>
         </mc:Fallback>
       </mc:AlternateContent>
-      <mc:AlternateContent xmlns:mc="http://schemas.openxmlformats.org/markup-compatibility/2006">
-        <mc:Choice xmlns:a14="http://schemas.microsoft.com/office/drawing/2010/main" Requires="a14">
+      <mc:AlternateContent xmlns:mc="http://schemas.openxmlformats.org/markup-compatibility/2006" xmlns:a14="http://schemas.microsoft.com/office/drawing/2010/main">
+        <mc:Choice Requires="a14">
           <p:sp>
             <p:nvSpPr>
               <p:cNvPr id="189" name="( ne postoji statistički značajna razlika između prosječne dobi pacijenta za svaku kategoriju srčane aritmije)…"/>
@@ -4282,7 +4287,7 @@
               </a:ln>
               <a:extLst>
                 <a:ext uri="{C572A759-6A51-4108-AA02-DFA0A04FC94B}">
-                  <ma14:wrappingTextBoxFlag xmlns:ma14="http://schemas.microsoft.com/office/mac/drawingml/2011/main" xmlns:m="http://schemas.openxmlformats.org/officeDocument/2006/math" xmlns="" val="1"/>
+                  <ma14:wrappingTextBoxFlag xmlns="" xmlns:m="http://schemas.openxmlformats.org/officeDocument/2006/math" xmlns:ma14="http://schemas.microsoft.com/office/mac/drawingml/2011/main" val="1"/>
                 </a:ext>
               </a:extLst>
             </p:spPr>
@@ -4312,11 +4317,11 @@
                     <m:sSub>
                       <m:sSubPr>
                         <m:ctrlPr>
-                          <a:rPr sz="3700">
-                            <a:solidFill>
-                              <a:srgbClr val="000000"/>
-                            </a:solidFill>
-                            <a:latin typeface="Cambria Math" panose="02040503050406030204" pitchFamily="18" charset="0"/>
+                          <a:rPr sz="3700" i="1">
+                            <a:solidFill>
+                              <a:srgbClr val="000000"/>
+                            </a:solidFill>
+                            <a:latin typeface="Cambria Math"/>
                           </a:rPr>
                         </m:ctrlPr>
                       </m:sSubPr>
@@ -4359,7 +4364,7 @@
                             <a:solidFill>
                               <a:srgbClr val="000000"/>
                             </a:solidFill>
-                            <a:latin typeface="Cambria Math" panose="02040503050406030204" pitchFamily="18" charset="0"/>
+                            <a:latin typeface="Cambria Math"/>
                           </a:rPr>
                         </m:ctrlPr>
                       </m:sSubPr>
@@ -4402,7 +4407,7 @@
                             <a:solidFill>
                               <a:srgbClr val="000000"/>
                             </a:solidFill>
-                            <a:latin typeface="Cambria Math" panose="02040503050406030204" pitchFamily="18" charset="0"/>
+                            <a:latin typeface="Cambria Math"/>
                           </a:rPr>
                         </m:ctrlPr>
                       </m:sSubPr>
@@ -4445,7 +4450,7 @@
                             <a:solidFill>
                               <a:srgbClr val="000000"/>
                             </a:solidFill>
-                            <a:latin typeface="Cambria Math" panose="02040503050406030204" pitchFamily="18" charset="0"/>
+                            <a:latin typeface="Cambria Math"/>
                           </a:rPr>
                         </m:ctrlPr>
                       </m:sSubPr>
@@ -4488,7 +4493,7 @@
                             <a:solidFill>
                               <a:srgbClr val="000000"/>
                             </a:solidFill>
-                            <a:latin typeface="Cambria Math" panose="02040503050406030204" pitchFamily="18" charset="0"/>
+                            <a:latin typeface="Cambria Math"/>
                           </a:rPr>
                         </m:ctrlPr>
                       </m:sSubPr>
@@ -4542,11 +4547,11 @@
                     <m:sSub>
                       <m:sSubPr>
                         <m:ctrlPr>
-                          <a:rPr sz="3700">
-                            <a:solidFill>
-                              <a:srgbClr val="000000"/>
-                            </a:solidFill>
-                            <a:latin typeface="Cambria Math" panose="02040503050406030204" pitchFamily="18" charset="0"/>
+                          <a:rPr sz="3700" i="1">
+                            <a:solidFill>
+                              <a:srgbClr val="000000"/>
+                            </a:solidFill>
+                            <a:latin typeface="Cambria Math"/>
                           </a:rPr>
                         </m:ctrlPr>
                       </m:sSubPr>
@@ -4592,11 +4597,11 @@
                     <m:sSub>
                       <m:sSubPr>
                         <m:ctrlPr>
-                          <a:rPr sz="3750">
-                            <a:solidFill>
-                              <a:srgbClr val="000000"/>
-                            </a:solidFill>
-                            <a:latin typeface="Cambria Math" panose="02040503050406030204" pitchFamily="18" charset="0"/>
+                          <a:rPr sz="3750" i="1">
+                            <a:solidFill>
+                              <a:srgbClr val="000000"/>
+                            </a:solidFill>
+                            <a:latin typeface="Cambria Math"/>
                           </a:rPr>
                         </m:ctrlPr>
                       </m:sSubPr>
@@ -4632,7 +4637,7 @@
             </p:txBody>
           </p:sp>
         </mc:Choice>
-        <mc:Fallback>
+        <mc:Fallback xmlns="">
           <p:sp>
             <p:nvSpPr>
               <p:cNvPr id="189" name="( ne postoji statistički značajna razlika između prosječne dobi pacijenta za svaku kategoriju srčane aritmije)…"/>
@@ -4768,8 +4773,8 @@
           </a:p>
         </p:txBody>
       </p:sp>
-      <mc:AlternateContent xmlns:mc="http://schemas.openxmlformats.org/markup-compatibility/2006">
-        <mc:Choice xmlns:a14="http://schemas.microsoft.com/office/drawing/2010/main" Requires="a14">
+      <mc:AlternateContent xmlns:mc="http://schemas.openxmlformats.org/markup-compatibility/2006" xmlns:a14="http://schemas.microsoft.com/office/drawing/2010/main">
+        <mc:Choice Requires="a14">
           <p:sp>
             <p:nvSpPr>
               <p:cNvPr id="193" name="Kruskal-Wallis test…"/>
@@ -4789,7 +4794,7 @@
               </a:ln>
               <a:extLst>
                 <a:ext uri="{C572A759-6A51-4108-AA02-DFA0A04FC94B}">
-                  <ma14:wrappingTextBoxFlag xmlns:ma14="http://schemas.microsoft.com/office/mac/drawingml/2011/main" xmlns:m="http://schemas.openxmlformats.org/officeDocument/2006/math" xmlns="" val="1"/>
+                  <ma14:wrappingTextBoxFlag xmlns="" xmlns:m="http://schemas.openxmlformats.org/officeDocument/2006/math" xmlns:ma14="http://schemas.microsoft.com/office/mac/drawingml/2011/main" val="1"/>
                 </a:ext>
               </a:extLst>
             </p:spPr>
@@ -4871,11 +4876,11 @@
                     <m:sSub>
                       <m:sSubPr>
                         <m:ctrlPr>
-                          <a:rPr sz="4600">
-                            <a:solidFill>
-                              <a:srgbClr val="000000"/>
-                            </a:solidFill>
-                            <a:latin typeface="Cambria Math" panose="02040503050406030204" pitchFamily="18" charset="0"/>
+                          <a:rPr sz="4600" i="1">
+                            <a:solidFill>
+                              <a:srgbClr val="000000"/>
+                            </a:solidFill>
+                            <a:latin typeface="Cambria Math"/>
                           </a:rPr>
                         </m:ctrlPr>
                       </m:sSubPr>
@@ -4909,7 +4914,7 @@
             </p:txBody>
           </p:sp>
         </mc:Choice>
-        <mc:Fallback>
+        <mc:Fallback xmlns="">
           <p:sp>
             <p:nvSpPr>
               <p:cNvPr id="193" name="Kruskal-Wallis test…"/>
@@ -4956,8 +4961,8 @@
           </p:sp>
         </mc:Fallback>
       </mc:AlternateContent>
-      <mc:AlternateContent xmlns:mc="http://schemas.openxmlformats.org/markup-compatibility/2006">
-        <mc:Choice xmlns:a14="http://schemas.microsoft.com/office/drawing/2010/main" Requires="a14">
+      <mc:AlternateContent xmlns:mc="http://schemas.openxmlformats.org/markup-compatibility/2006" xmlns:a14="http://schemas.microsoft.com/office/drawing/2010/main">
+        <mc:Choice Requires="a14">
           <p:sp>
             <p:nvSpPr>
               <p:cNvPr id="194" name="( ne postoji statistički značajna razlika između prosječne težine pacijenta za svaku kategoriju srčane aritmije)…"/>
@@ -4977,7 +4982,7 @@
               </a:ln>
               <a:extLst>
                 <a:ext uri="{C572A759-6A51-4108-AA02-DFA0A04FC94B}">
-                  <ma14:wrappingTextBoxFlag xmlns:ma14="http://schemas.microsoft.com/office/mac/drawingml/2011/main" xmlns:m="http://schemas.openxmlformats.org/officeDocument/2006/math" xmlns="" val="1"/>
+                  <ma14:wrappingTextBoxFlag xmlns="" xmlns:m="http://schemas.openxmlformats.org/officeDocument/2006/math" xmlns:ma14="http://schemas.microsoft.com/office/mac/drawingml/2011/main" val="1"/>
                 </a:ext>
               </a:extLst>
             </p:spPr>
@@ -5007,11 +5012,11 @@
                     <m:sSub>
                       <m:sSubPr>
                         <m:ctrlPr>
-                          <a:rPr sz="3700">
-                            <a:solidFill>
-                              <a:srgbClr val="000000"/>
-                            </a:solidFill>
-                            <a:latin typeface="Cambria Math" panose="02040503050406030204" pitchFamily="18" charset="0"/>
+                          <a:rPr sz="3700" i="1">
+                            <a:solidFill>
+                              <a:srgbClr val="000000"/>
+                            </a:solidFill>
+                            <a:latin typeface="Cambria Math"/>
                           </a:rPr>
                         </m:ctrlPr>
                       </m:sSubPr>
@@ -5054,7 +5059,7 @@
                             <a:solidFill>
                               <a:srgbClr val="000000"/>
                             </a:solidFill>
-                            <a:latin typeface="Cambria Math" panose="02040503050406030204" pitchFamily="18" charset="0"/>
+                            <a:latin typeface="Cambria Math"/>
                           </a:rPr>
                         </m:ctrlPr>
                       </m:sSubPr>
@@ -5097,7 +5102,7 @@
                             <a:solidFill>
                               <a:srgbClr val="000000"/>
                             </a:solidFill>
-                            <a:latin typeface="Cambria Math" panose="02040503050406030204" pitchFamily="18" charset="0"/>
+                            <a:latin typeface="Cambria Math"/>
                           </a:rPr>
                         </m:ctrlPr>
                       </m:sSubPr>
@@ -5140,7 +5145,7 @@
                             <a:solidFill>
                               <a:srgbClr val="000000"/>
                             </a:solidFill>
-                            <a:latin typeface="Cambria Math" panose="02040503050406030204" pitchFamily="18" charset="0"/>
+                            <a:latin typeface="Cambria Math"/>
                           </a:rPr>
                         </m:ctrlPr>
                       </m:sSubPr>
@@ -5183,7 +5188,7 @@
                             <a:solidFill>
                               <a:srgbClr val="000000"/>
                             </a:solidFill>
-                            <a:latin typeface="Cambria Math" panose="02040503050406030204" pitchFamily="18" charset="0"/>
+                            <a:latin typeface="Cambria Math"/>
                           </a:rPr>
                         </m:ctrlPr>
                       </m:sSubPr>
@@ -5237,11 +5242,11 @@
                     <m:sSub>
                       <m:sSubPr>
                         <m:ctrlPr>
-                          <a:rPr sz="3700">
-                            <a:solidFill>
-                              <a:srgbClr val="000000"/>
-                            </a:solidFill>
-                            <a:latin typeface="Cambria Math" panose="02040503050406030204" pitchFamily="18" charset="0"/>
+                          <a:rPr sz="3700" i="1">
+                            <a:solidFill>
+                              <a:srgbClr val="000000"/>
+                            </a:solidFill>
+                            <a:latin typeface="Cambria Math"/>
                           </a:rPr>
                         </m:ctrlPr>
                       </m:sSubPr>
@@ -5287,11 +5292,11 @@
                     <m:sSub>
                       <m:sSubPr>
                         <m:ctrlPr>
-                          <a:rPr sz="3750">
-                            <a:solidFill>
-                              <a:srgbClr val="000000"/>
-                            </a:solidFill>
-                            <a:latin typeface="Cambria Math" panose="02040503050406030204" pitchFamily="18" charset="0"/>
+                          <a:rPr sz="3750" i="1">
+                            <a:solidFill>
+                              <a:srgbClr val="000000"/>
+                            </a:solidFill>
+                            <a:latin typeface="Cambria Math"/>
                           </a:rPr>
                         </m:ctrlPr>
                       </m:sSubPr>
@@ -5327,7 +5332,7 @@
             </p:txBody>
           </p:sp>
         </mc:Choice>
-        <mc:Fallback>
+        <mc:Fallback xmlns="">
           <p:sp>
             <p:nvSpPr>
               <p:cNvPr id="194" name="( ne postoji statistički značajna razlika između prosječne težine pacijenta za svaku kategoriju srčane aritmije)…"/>
@@ -5463,8 +5468,8 @@
           </a:p>
         </p:txBody>
       </p:sp>
-      <mc:AlternateContent xmlns:mc="http://schemas.openxmlformats.org/markup-compatibility/2006">
-        <mc:Choice xmlns:a14="http://schemas.microsoft.com/office/drawing/2010/main" Requires="a14">
+      <mc:AlternateContent xmlns:mc="http://schemas.openxmlformats.org/markup-compatibility/2006" xmlns:a14="http://schemas.microsoft.com/office/drawing/2010/main">
+        <mc:Choice Requires="a14">
           <p:sp>
             <p:nvSpPr>
               <p:cNvPr id="198" name="Kruskal-Wallis test…"/>
@@ -5484,7 +5489,7 @@
               </a:ln>
               <a:extLst>
                 <a:ext uri="{C572A759-6A51-4108-AA02-DFA0A04FC94B}">
-                  <ma14:wrappingTextBoxFlag xmlns:ma14="http://schemas.microsoft.com/office/mac/drawingml/2011/main" xmlns:m="http://schemas.openxmlformats.org/officeDocument/2006/math" xmlns="" val="1"/>
+                  <ma14:wrappingTextBoxFlag xmlns="" xmlns:m="http://schemas.openxmlformats.org/officeDocument/2006/math" xmlns:ma14="http://schemas.microsoft.com/office/mac/drawingml/2011/main" val="1"/>
                 </a:ext>
               </a:extLst>
             </p:spPr>
@@ -5550,11 +5555,11 @@
                     <m:sSub>
                       <m:sSubPr>
                         <m:ctrlPr>
-                          <a:rPr sz="4600">
-                            <a:solidFill>
-                              <a:srgbClr val="000000"/>
-                            </a:solidFill>
-                            <a:latin typeface="Cambria Math" panose="02040503050406030204" pitchFamily="18" charset="0"/>
+                          <a:rPr sz="4600" i="1">
+                            <a:solidFill>
+                              <a:srgbClr val="000000"/>
+                            </a:solidFill>
+                            <a:latin typeface="Cambria Math"/>
                           </a:rPr>
                         </m:ctrlPr>
                       </m:sSubPr>
@@ -5588,7 +5593,7 @@
             </p:txBody>
           </p:sp>
         </mc:Choice>
-        <mc:Fallback>
+        <mc:Fallback xmlns="">
           <p:sp>
             <p:nvSpPr>
               <p:cNvPr id="198" name="Kruskal-Wallis test…"/>
@@ -5635,8 +5640,8 @@
           </p:sp>
         </mc:Fallback>
       </mc:AlternateContent>
-      <mc:AlternateContent xmlns:mc="http://schemas.openxmlformats.org/markup-compatibility/2006">
-        <mc:Choice xmlns:a14="http://schemas.microsoft.com/office/drawing/2010/main" Requires="a14">
+      <mc:AlternateContent xmlns:mc="http://schemas.openxmlformats.org/markup-compatibility/2006" xmlns:a14="http://schemas.microsoft.com/office/drawing/2010/main">
+        <mc:Choice Requires="a14">
           <p:sp>
             <p:nvSpPr>
               <p:cNvPr id="199" name="( ne postoji statistički značajna razlika između prosječne visine pacijenta za svaku kategoriju srčane aritmije)…"/>
@@ -5656,7 +5661,7 @@
               </a:ln>
               <a:extLst>
                 <a:ext uri="{C572A759-6A51-4108-AA02-DFA0A04FC94B}">
-                  <ma14:wrappingTextBoxFlag xmlns:ma14="http://schemas.microsoft.com/office/mac/drawingml/2011/main" xmlns:m="http://schemas.openxmlformats.org/officeDocument/2006/math" xmlns="" val="1"/>
+                  <ma14:wrappingTextBoxFlag xmlns="" xmlns:m="http://schemas.openxmlformats.org/officeDocument/2006/math" xmlns:ma14="http://schemas.microsoft.com/office/mac/drawingml/2011/main" val="1"/>
                 </a:ext>
               </a:extLst>
             </p:spPr>
@@ -5686,11 +5691,11 @@
                     <m:sSub>
                       <m:sSubPr>
                         <m:ctrlPr>
-                          <a:rPr sz="3700">
-                            <a:solidFill>
-                              <a:srgbClr val="000000"/>
-                            </a:solidFill>
-                            <a:latin typeface="Cambria Math" panose="02040503050406030204" pitchFamily="18" charset="0"/>
+                          <a:rPr sz="3700" i="1">
+                            <a:solidFill>
+                              <a:srgbClr val="000000"/>
+                            </a:solidFill>
+                            <a:latin typeface="Cambria Math"/>
                           </a:rPr>
                         </m:ctrlPr>
                       </m:sSubPr>
@@ -5733,7 +5738,7 @@
                             <a:solidFill>
                               <a:srgbClr val="000000"/>
                             </a:solidFill>
-                            <a:latin typeface="Cambria Math" panose="02040503050406030204" pitchFamily="18" charset="0"/>
+                            <a:latin typeface="Cambria Math"/>
                           </a:rPr>
                         </m:ctrlPr>
                       </m:sSubPr>
@@ -5776,7 +5781,7 @@
                             <a:solidFill>
                               <a:srgbClr val="000000"/>
                             </a:solidFill>
-                            <a:latin typeface="Cambria Math" panose="02040503050406030204" pitchFamily="18" charset="0"/>
+                            <a:latin typeface="Cambria Math"/>
                           </a:rPr>
                         </m:ctrlPr>
                       </m:sSubPr>
@@ -5819,7 +5824,7 @@
                             <a:solidFill>
                               <a:srgbClr val="000000"/>
                             </a:solidFill>
-                            <a:latin typeface="Cambria Math" panose="02040503050406030204" pitchFamily="18" charset="0"/>
+                            <a:latin typeface="Cambria Math"/>
                           </a:rPr>
                         </m:ctrlPr>
                       </m:sSubPr>
@@ -5862,7 +5867,7 @@
                             <a:solidFill>
                               <a:srgbClr val="000000"/>
                             </a:solidFill>
-                            <a:latin typeface="Cambria Math" panose="02040503050406030204" pitchFamily="18" charset="0"/>
+                            <a:latin typeface="Cambria Math"/>
                           </a:rPr>
                         </m:ctrlPr>
                       </m:sSubPr>
@@ -5916,11 +5921,11 @@
                     <m:sSub>
                       <m:sSubPr>
                         <m:ctrlPr>
-                          <a:rPr sz="3700">
-                            <a:solidFill>
-                              <a:srgbClr val="000000"/>
-                            </a:solidFill>
-                            <a:latin typeface="Cambria Math" panose="02040503050406030204" pitchFamily="18" charset="0"/>
+                          <a:rPr sz="3700" i="1">
+                            <a:solidFill>
+                              <a:srgbClr val="000000"/>
+                            </a:solidFill>
+                            <a:latin typeface="Cambria Math"/>
                           </a:rPr>
                         </m:ctrlPr>
                       </m:sSubPr>
@@ -5966,11 +5971,11 @@
                     <m:sSub>
                       <m:sSubPr>
                         <m:ctrlPr>
-                          <a:rPr sz="3750">
-                            <a:solidFill>
-                              <a:srgbClr val="000000"/>
-                            </a:solidFill>
-                            <a:latin typeface="Cambria Math" panose="02040503050406030204" pitchFamily="18" charset="0"/>
+                          <a:rPr sz="3750" i="1">
+                            <a:solidFill>
+                              <a:srgbClr val="000000"/>
+                            </a:solidFill>
+                            <a:latin typeface="Cambria Math"/>
                           </a:rPr>
                         </m:ctrlPr>
                       </m:sSubPr>
@@ -6006,7 +6011,7 @@
             </p:txBody>
           </p:sp>
         </mc:Choice>
-        <mc:Fallback>
+        <mc:Fallback xmlns="">
           <p:sp>
             <p:nvSpPr>
               <p:cNvPr id="199" name="( ne postoji statistički značajna razlika između prosječne visine pacijenta za svaku kategoriju srčane aritmije)…"/>
@@ -6058,7 +6063,7 @@
           <p:cNvPr id="2" name="Picture 1">
             <a:extLst>
               <a:ext uri="{FF2B5EF4-FFF2-40B4-BE49-F238E27FC236}">
-                <a16:creationId xmlns:a16="http://schemas.microsoft.com/office/drawing/2014/main" id="{715599BD-79CF-7242-8434-670F062170F4}"/>
+                <a16:creationId xmlns:a16="http://schemas.microsoft.com/office/drawing/2014/main" xmlns="" id="{715599BD-79CF-7242-8434-670F062170F4}"/>
               </a:ext>
             </a:extLst>
           </p:cNvPr>
@@ -6145,8 +6150,8 @@
           </a:p>
         </p:txBody>
       </p:sp>
-      <mc:AlternateContent xmlns:mc="http://schemas.openxmlformats.org/markup-compatibility/2006">
-        <mc:Choice xmlns:a14="http://schemas.microsoft.com/office/drawing/2010/main" Requires="a14">
+      <mc:AlternateContent xmlns:mc="http://schemas.openxmlformats.org/markup-compatibility/2006" xmlns:a14="http://schemas.microsoft.com/office/drawing/2010/main">
+        <mc:Choice Requires="a14">
           <p:sp>
             <p:nvSpPr>
               <p:cNvPr id="203" name="Kruskal-Wallis test…"/>
@@ -6166,7 +6171,7 @@
               </a:ln>
               <a:extLst>
                 <a:ext uri="{C572A759-6A51-4108-AA02-DFA0A04FC94B}">
-                  <ma14:wrappingTextBoxFlag xmlns:ma14="http://schemas.microsoft.com/office/mac/drawingml/2011/main" xmlns:m="http://schemas.openxmlformats.org/officeDocument/2006/math" xmlns="" val="1"/>
+                  <ma14:wrappingTextBoxFlag xmlns="" xmlns:m="http://schemas.openxmlformats.org/officeDocument/2006/math" xmlns:ma14="http://schemas.microsoft.com/office/mac/drawingml/2011/main" val="1"/>
                 </a:ext>
               </a:extLst>
             </p:spPr>
@@ -6245,7 +6250,7 @@
                             <a:solidFill>
                               <a:srgbClr val="000000"/>
                             </a:solidFill>
-                            <a:latin typeface="Cambria Math" panose="02040503050406030204" pitchFamily="18" charset="0"/>
+                            <a:latin typeface="Cambria Math"/>
                           </a:rPr>
                         </m:ctrlPr>
                       </m:sSupPr>
@@ -6282,11 +6287,11 @@
                     <m:sSub>
                       <m:sSubPr>
                         <m:ctrlPr>
-                          <a:rPr sz="4600">
-                            <a:solidFill>
-                              <a:srgbClr val="000000"/>
-                            </a:solidFill>
-                            <a:latin typeface="Cambria Math" panose="02040503050406030204" pitchFamily="18" charset="0"/>
+                          <a:rPr sz="4600" i="1">
+                            <a:solidFill>
+                              <a:srgbClr val="000000"/>
+                            </a:solidFill>
+                            <a:latin typeface="Cambria Math"/>
                           </a:rPr>
                         </m:ctrlPr>
                       </m:sSubPr>
@@ -6320,7 +6325,7 @@
             </p:txBody>
           </p:sp>
         </mc:Choice>
-        <mc:Fallback>
+        <mc:Fallback xmlns="">
           <p:sp>
             <p:nvSpPr>
               <p:cNvPr id="203" name="Kruskal-Wallis test…"/>
@@ -6367,8 +6372,8 @@
           </p:sp>
         </mc:Fallback>
       </mc:AlternateContent>
-      <mc:AlternateContent xmlns:mc="http://schemas.openxmlformats.org/markup-compatibility/2006">
-        <mc:Choice xmlns:a14="http://schemas.microsoft.com/office/drawing/2010/main" Requires="a14">
+      <mc:AlternateContent xmlns:mc="http://schemas.openxmlformats.org/markup-compatibility/2006" xmlns:a14="http://schemas.microsoft.com/office/drawing/2010/main">
+        <mc:Choice Requires="a14">
           <p:sp>
             <p:nvSpPr>
               <p:cNvPr id="204" name="( ne postoji statistički značajna razlika između prosječniog broja otkucaja srca pacijenta za svaku kategoriju srčane aritmije)…"/>
@@ -6388,7 +6393,7 @@
               </a:ln>
               <a:extLst>
                 <a:ext uri="{C572A759-6A51-4108-AA02-DFA0A04FC94B}">
-                  <ma14:wrappingTextBoxFlag xmlns:ma14="http://schemas.microsoft.com/office/mac/drawingml/2011/main" xmlns:m="http://schemas.openxmlformats.org/officeDocument/2006/math" xmlns="" val="1"/>
+                  <ma14:wrappingTextBoxFlag xmlns="" xmlns:m="http://schemas.openxmlformats.org/officeDocument/2006/math" xmlns:ma14="http://schemas.microsoft.com/office/mac/drawingml/2011/main" val="1"/>
                 </a:ext>
               </a:extLst>
             </p:spPr>
@@ -6418,11 +6423,11 @@
                     <m:sSub>
                       <m:sSubPr>
                         <m:ctrlPr>
-                          <a:rPr sz="3700">
-                            <a:solidFill>
-                              <a:srgbClr val="000000"/>
-                            </a:solidFill>
-                            <a:latin typeface="Cambria Math" panose="02040503050406030204" pitchFamily="18" charset="0"/>
+                          <a:rPr sz="3700" i="1">
+                            <a:solidFill>
+                              <a:srgbClr val="000000"/>
+                            </a:solidFill>
+                            <a:latin typeface="Cambria Math"/>
                           </a:rPr>
                         </m:ctrlPr>
                       </m:sSubPr>
@@ -6465,7 +6470,7 @@
                             <a:solidFill>
                               <a:srgbClr val="000000"/>
                             </a:solidFill>
-                            <a:latin typeface="Cambria Math" panose="02040503050406030204" pitchFamily="18" charset="0"/>
+                            <a:latin typeface="Cambria Math"/>
                           </a:rPr>
                         </m:ctrlPr>
                       </m:sSubPr>
@@ -6508,7 +6513,7 @@
                             <a:solidFill>
                               <a:srgbClr val="000000"/>
                             </a:solidFill>
-                            <a:latin typeface="Cambria Math" panose="02040503050406030204" pitchFamily="18" charset="0"/>
+                            <a:latin typeface="Cambria Math"/>
                           </a:rPr>
                         </m:ctrlPr>
                       </m:sSubPr>
@@ -6551,7 +6556,7 @@
                             <a:solidFill>
                               <a:srgbClr val="000000"/>
                             </a:solidFill>
-                            <a:latin typeface="Cambria Math" panose="02040503050406030204" pitchFamily="18" charset="0"/>
+                            <a:latin typeface="Cambria Math"/>
                           </a:rPr>
                         </m:ctrlPr>
                       </m:sSubPr>
@@ -6594,7 +6599,7 @@
                             <a:solidFill>
                               <a:srgbClr val="000000"/>
                             </a:solidFill>
-                            <a:latin typeface="Cambria Math" panose="02040503050406030204" pitchFamily="18" charset="0"/>
+                            <a:latin typeface="Cambria Math"/>
                           </a:rPr>
                         </m:ctrlPr>
                       </m:sSubPr>
@@ -6648,11 +6653,11 @@
                     <m:sSub>
                       <m:sSubPr>
                         <m:ctrlPr>
-                          <a:rPr sz="3700">
-                            <a:solidFill>
-                              <a:srgbClr val="000000"/>
-                            </a:solidFill>
-                            <a:latin typeface="Cambria Math" panose="02040503050406030204" pitchFamily="18" charset="0"/>
+                          <a:rPr sz="3700" i="1">
+                            <a:solidFill>
+                              <a:srgbClr val="000000"/>
+                            </a:solidFill>
+                            <a:latin typeface="Cambria Math"/>
                           </a:rPr>
                         </m:ctrlPr>
                       </m:sSubPr>
@@ -6698,11 +6703,11 @@
                     <m:sSub>
                       <m:sSubPr>
                         <m:ctrlPr>
-                          <a:rPr sz="3750">
-                            <a:solidFill>
-                              <a:srgbClr val="000000"/>
-                            </a:solidFill>
-                            <a:latin typeface="Cambria Math" panose="02040503050406030204" pitchFamily="18" charset="0"/>
+                          <a:rPr sz="3750" i="1">
+                            <a:solidFill>
+                              <a:srgbClr val="000000"/>
+                            </a:solidFill>
+                            <a:latin typeface="Cambria Math"/>
                           </a:rPr>
                         </m:ctrlPr>
                       </m:sSubPr>
@@ -6738,7 +6743,7 @@
             </p:txBody>
           </p:sp>
         </mc:Choice>
-        <mc:Fallback>
+        <mc:Fallback xmlns="">
           <p:sp>
             <p:nvSpPr>
               <p:cNvPr id="204" name="( ne postoji statistički značajna razlika između prosječniog broja otkucaja srca pacijenta za svaku kategoriju srčane aritmije)…"/>
@@ -6901,8 +6906,8 @@
           </a:ln>
         </p:spPr>
       </p:pic>
-      <mc:AlternateContent xmlns:mc="http://schemas.openxmlformats.org/markup-compatibility/2006">
-        <mc:Choice xmlns:a14="http://schemas.microsoft.com/office/drawing/2010/main" Requires="a14">
+      <mc:AlternateContent xmlns:mc="http://schemas.openxmlformats.org/markup-compatibility/2006" xmlns:a14="http://schemas.microsoft.com/office/drawing/2010/main">
+        <mc:Choice Requires="a14">
           <p:sp>
             <p:nvSpPr>
               <p:cNvPr id="209" name="ne postoji statistički značajna razlika između maškarca i žena u dijagnozi srčane aritmije…"/>
@@ -6922,7 +6927,7 @@
               </a:ln>
               <a:extLst>
                 <a:ext uri="{C572A759-6A51-4108-AA02-DFA0A04FC94B}">
-                  <ma14:wrappingTextBoxFlag xmlns:ma14="http://schemas.microsoft.com/office/mac/drawingml/2011/main" xmlns:m="http://schemas.openxmlformats.org/officeDocument/2006/math" xmlns="" val="1"/>
+                  <ma14:wrappingTextBoxFlag xmlns="" xmlns:m="http://schemas.openxmlformats.org/officeDocument/2006/math" xmlns:ma14="http://schemas.microsoft.com/office/mac/drawingml/2011/main" val="1"/>
                 </a:ext>
               </a:extLst>
             </p:spPr>
@@ -6952,11 +6957,11 @@
                     <m:sSub>
                       <m:sSubPr>
                         <m:ctrlPr>
-                          <a:rPr sz="4800">
-                            <a:solidFill>
-                              <a:srgbClr val="000000"/>
-                            </a:solidFill>
-                            <a:latin typeface="Cambria Math" panose="02040503050406030204" pitchFamily="18" charset="0"/>
+                          <a:rPr sz="4800" i="1">
+                            <a:solidFill>
+                              <a:srgbClr val="000000"/>
+                            </a:solidFill>
+                            <a:latin typeface="Cambria Math"/>
                           </a:rPr>
                         </m:ctrlPr>
                       </m:sSubPr>
@@ -7019,11 +7024,11 @@
                     <m:sSub>
                       <m:sSubPr>
                         <m:ctrlPr>
-                          <a:rPr sz="4800">
-                            <a:solidFill>
-                              <a:srgbClr val="000000"/>
-                            </a:solidFill>
-                            <a:latin typeface="Cambria Math" panose="02040503050406030204" pitchFamily="18" charset="0"/>
+                          <a:rPr sz="4800" i="1">
+                            <a:solidFill>
+                              <a:srgbClr val="000000"/>
+                            </a:solidFill>
+                            <a:latin typeface="Cambria Math"/>
                           </a:rPr>
                         </m:ctrlPr>
                       </m:sSubPr>
@@ -7068,7 +7073,7 @@
             </p:txBody>
           </p:sp>
         </mc:Choice>
-        <mc:Fallback>
+        <mc:Fallback xmlns="">
           <p:sp>
             <p:nvSpPr>
               <p:cNvPr id="209" name="ne postoji statistički značajna razlika između maškarca i žena u dijagnozi srčane aritmije…"/>
@@ -7115,8 +7120,8 @@
           </p:sp>
         </mc:Fallback>
       </mc:AlternateContent>
-      <mc:AlternateContent xmlns:mc="http://schemas.openxmlformats.org/markup-compatibility/2006">
-        <mc:Choice xmlns:a14="http://schemas.microsoft.com/office/drawing/2010/main" Requires="a14">
+      <mc:AlternateContent xmlns:mc="http://schemas.openxmlformats.org/markup-compatibility/2006" xmlns:a14="http://schemas.microsoft.com/office/drawing/2010/main">
+        <mc:Choice Requires="a14">
           <p:sp>
             <p:nvSpPr>
               <p:cNvPr id="210" name="-test…"/>
@@ -7136,7 +7141,7 @@
               </a:ln>
               <a:extLst>
                 <a:ext uri="{C572A759-6A51-4108-AA02-DFA0A04FC94B}">
-                  <ma14:wrappingTextBoxFlag xmlns:ma14="http://schemas.microsoft.com/office/mac/drawingml/2011/main" xmlns:m="http://schemas.openxmlformats.org/officeDocument/2006/math" xmlns="" val="1"/>
+                  <ma14:wrappingTextBoxFlag xmlns="" xmlns:m="http://schemas.openxmlformats.org/officeDocument/2006/math" xmlns:ma14="http://schemas.microsoft.com/office/mac/drawingml/2011/main" val="1"/>
                 </a:ext>
               </a:extLst>
             </p:spPr>
@@ -7166,11 +7171,11 @@
                     <m:sSup>
                       <m:sSupPr>
                         <m:ctrlPr>
-                          <a:rPr sz="4150">
-                            <a:solidFill>
-                              <a:srgbClr val="000000"/>
-                            </a:solidFill>
-                            <a:latin typeface="Cambria Math" panose="02040503050406030204" pitchFamily="18" charset="0"/>
+                          <a:rPr sz="4150" i="1">
+                            <a:solidFill>
+                              <a:srgbClr val="000000"/>
+                            </a:solidFill>
+                            <a:latin typeface="Cambria Math"/>
                           </a:rPr>
                         </m:ctrlPr>
                       </m:sSupPr>
@@ -7253,7 +7258,7 @@
                             <a:solidFill>
                               <a:srgbClr val="000000"/>
                             </a:solidFill>
-                            <a:latin typeface="Cambria Math" panose="02040503050406030204" pitchFamily="18" charset="0"/>
+                            <a:latin typeface="Cambria Math"/>
                           </a:rPr>
                         </m:ctrlPr>
                       </m:sSupPr>
@@ -7290,11 +7295,11 @@
                     <m:sSub>
                       <m:sSubPr>
                         <m:ctrlPr>
-                          <a:rPr sz="4600">
-                            <a:solidFill>
-                              <a:srgbClr val="000000"/>
-                            </a:solidFill>
-                            <a:latin typeface="Cambria Math" panose="02040503050406030204" pitchFamily="18" charset="0"/>
+                          <a:rPr sz="4600" i="1">
+                            <a:solidFill>
+                              <a:srgbClr val="000000"/>
+                            </a:solidFill>
+                            <a:latin typeface="Cambria Math"/>
                           </a:rPr>
                         </m:ctrlPr>
                       </m:sSubPr>
@@ -7328,7 +7333,7 @@
             </p:txBody>
           </p:sp>
         </mc:Choice>
-        <mc:Fallback>
+        <mc:Fallback xmlns="">
           <p:sp>
             <p:nvSpPr>
               <p:cNvPr id="210" name="-test…"/>
@@ -7422,7 +7427,7 @@
           </a:ln>
           <a:extLst>
             <a:ext uri="{C572A759-6A51-4108-AA02-DFA0A04FC94B}">
-              <ma14:wrappingTextBoxFlag xmlns:ma14="http://schemas.microsoft.com/office/mac/drawingml/2011/main" xmlns:a14="http://schemas.microsoft.com/office/drawing/2010/main" xmlns:m="http://schemas.openxmlformats.org/officeDocument/2006/math" xmlns="" val="1"/>
+              <ma14:wrappingTextBoxFlag xmlns="" xmlns:m="http://schemas.openxmlformats.org/officeDocument/2006/math" xmlns:a14="http://schemas.microsoft.com/office/drawing/2010/main" xmlns:ma14="http://schemas.microsoft.com/office/mac/drawingml/2011/main" val="1"/>
             </a:ext>
           </a:extLst>
         </p:spPr>
@@ -7500,7 +7505,7 @@
           </a:prstGeom>
           <a:extLst>
             <a:ext uri="{C572A759-6A51-4108-AA02-DFA0A04FC94B}">
-              <ma14:wrappingTextBoxFlag xmlns:ma14="http://schemas.microsoft.com/office/mac/drawingml/2011/main" xmlns:a14="http://schemas.microsoft.com/office/drawing/2010/main" xmlns:m="http://schemas.openxmlformats.org/officeDocument/2006/math" xmlns="" val="1"/>
+              <ma14:wrappingTextBoxFlag xmlns="" xmlns:m="http://schemas.openxmlformats.org/officeDocument/2006/math" xmlns:a14="http://schemas.microsoft.com/office/drawing/2010/main" xmlns:ma14="http://schemas.microsoft.com/office/mac/drawingml/2011/main" val="1"/>
             </a:ext>
           </a:extLst>
         </p:spPr>
@@ -7589,7 +7594,7 @@
           <p:cNvPr id="2" name="Picture 1">
             <a:extLst>
               <a:ext uri="{FF2B5EF4-FFF2-40B4-BE49-F238E27FC236}">
-                <a16:creationId xmlns:a16="http://schemas.microsoft.com/office/drawing/2014/main" id="{D8850966-3864-EF4F-A3E0-576219A3A49A}"/>
+                <a16:creationId xmlns:a16="http://schemas.microsoft.com/office/drawing/2014/main" xmlns="" id="{D8850966-3864-EF4F-A3E0-576219A3A49A}"/>
               </a:ext>
             </a:extLst>
           </p:cNvPr>
@@ -7619,7 +7624,7 @@
           <p:cNvPr id="3" name="Picture 2">
             <a:extLst>
               <a:ext uri="{FF2B5EF4-FFF2-40B4-BE49-F238E27FC236}">
-                <a16:creationId xmlns:a16="http://schemas.microsoft.com/office/drawing/2014/main" id="{A0181D36-660A-9247-AF8D-0C573FE61414}"/>
+                <a16:creationId xmlns:a16="http://schemas.microsoft.com/office/drawing/2014/main" xmlns="" id="{A0181D36-660A-9247-AF8D-0C573FE61414}"/>
               </a:ext>
             </a:extLst>
           </p:cNvPr>
@@ -7649,7 +7654,7 @@
           <p:cNvPr id="4" name="Right Arrow 3">
             <a:extLst>
               <a:ext uri="{FF2B5EF4-FFF2-40B4-BE49-F238E27FC236}">
-                <a16:creationId xmlns:a16="http://schemas.microsoft.com/office/drawing/2014/main" id="{ED632F78-8EF1-D54F-93C7-80F374CEA788}"/>
+                <a16:creationId xmlns:a16="http://schemas.microsoft.com/office/drawing/2014/main" xmlns="" id="{ED632F78-8EF1-D54F-93C7-80F374CEA788}"/>
               </a:ext>
             </a:extLst>
           </p:cNvPr>
@@ -7710,7 +7715,7 @@
               <a:buNone/>
               <a:tabLst/>
             </a:pPr>
-            <a:endParaRPr kumimoji="0" lang="en-HR" sz="3200" b="0" i="0" u="none" strike="noStrike" cap="none" spc="0" normalizeH="0" baseline="0">
+            <a:endParaRPr kumimoji="0" lang="x-none" sz="3200" b="0" i="0" u="none" strike="noStrike" cap="none" spc="0" normalizeH="0" baseline="0">
               <a:ln>
                 <a:noFill/>
               </a:ln>
@@ -7773,7 +7778,7 @@
           </a:prstGeom>
           <a:extLst>
             <a:ext uri="{C572A759-6A51-4108-AA02-DFA0A04FC94B}">
-              <ma14:wrappingTextBoxFlag xmlns:ma14="http://schemas.microsoft.com/office/mac/drawingml/2011/main" xmlns:a14="http://schemas.microsoft.com/office/drawing/2010/main" xmlns:m="http://schemas.openxmlformats.org/officeDocument/2006/math" xmlns="" val="1"/>
+              <ma14:wrappingTextBoxFlag xmlns="" xmlns:m="http://schemas.openxmlformats.org/officeDocument/2006/math" xmlns:a14="http://schemas.microsoft.com/office/drawing/2010/main" xmlns:ma14="http://schemas.microsoft.com/office/mac/drawingml/2011/main" val="1"/>
             </a:ext>
           </a:extLst>
         </p:spPr>
@@ -7823,58 +7828,130 @@
       </p:grpSpPr>
       <p:pic>
         <p:nvPicPr>
-          <p:cNvPr id="221" name="dd032ad3-f52e-4912-8d40-175a1c45c752.jpg" descr="dd032ad3-f52e-4912-8d40-175a1c45c752.jpg"/>
+          <p:cNvPr id="1026" name="Picture 2"/>
           <p:cNvPicPr>
-            <a:picLocks noChangeAspect="1"/>
+            <a:picLocks noChangeAspect="1" noChangeArrowheads="1"/>
           </p:cNvPicPr>
           <p:nvPr/>
         </p:nvPicPr>
         <p:blipFill>
-          <a:blip r:embed="rId2"/>
-          <a:srcRect r="2034"/>
+          <a:blip r:embed="rId2">
+            <a:extLst>
+              <a:ext uri="{28A0092B-C50C-407E-A947-70E740481C1C}">
+                <a14:useLocalDpi xmlns:a14="http://schemas.microsoft.com/office/drawing/2010/main" val="0"/>
+              </a:ext>
+            </a:extLst>
+          </a:blip>
+          <a:srcRect/>
           <a:stretch>
             <a:fillRect/>
           </a:stretch>
         </p:blipFill>
-        <p:spPr>
+        <p:spPr bwMode="auto">
           <a:xfrm>
-            <a:off x="973803" y="3528417"/>
-            <a:ext cx="6268089" cy="6659048"/>
+            <a:off x="7274035" y="3386667"/>
+            <a:ext cx="17109966" cy="8009929"/>
           </a:xfrm>
           <a:prstGeom prst="rect">
             <a:avLst/>
           </a:prstGeom>
-          <a:ln w="12700">
-            <a:miter lim="400000"/>
+          <a:noFill/>
+          <a:ln>
+            <a:noFill/>
           </a:ln>
+          <a:effectLst/>
+          <a:extLst>
+            <a:ext uri="{909E8E84-426E-40DD-AFC4-6F175D3DCCD1}">
+              <a14:hiddenFill xmlns:a14="http://schemas.microsoft.com/office/drawing/2010/main">
+                <a:solidFill>
+                  <a:schemeClr val="accent1"/>
+                </a:solidFill>
+              </a14:hiddenFill>
+            </a:ext>
+            <a:ext uri="{91240B29-F687-4F45-9708-019B960494DF}">
+              <a14:hiddenLine xmlns:a14="http://schemas.microsoft.com/office/drawing/2010/main" w="9525">
+                <a:solidFill>
+                  <a:schemeClr val="tx1"/>
+                </a:solidFill>
+                <a:miter lim="800000"/>
+                <a:headEnd/>
+                <a:tailEnd/>
+              </a14:hiddenLine>
+            </a:ext>
+            <a:ext uri="{AF507438-7753-43E0-B8FC-AC1667EBCBE1}">
+              <a14:hiddenEffects xmlns:a14="http://schemas.microsoft.com/office/drawing/2010/main">
+                <a:effectLst>
+                  <a:outerShdw dist="35921" dir="2700000" algn="ctr" rotWithShape="0">
+                    <a:schemeClr val="bg2"/>
+                  </a:outerShdw>
+                </a:effectLst>
+              </a14:hiddenEffects>
+            </a:ext>
+          </a:extLst>
         </p:spPr>
       </p:pic>
       <p:pic>
         <p:nvPicPr>
-          <p:cNvPr id="222" name="27abbee8-6871-4293-a8ea-b0a937b5a6a1.jpg" descr="27abbee8-6871-4293-a8ea-b0a937b5a6a1.jpg"/>
+          <p:cNvPr id="1027" name="Picture 3"/>
           <p:cNvPicPr>
-            <a:picLocks noChangeAspect="1"/>
+            <a:picLocks noChangeAspect="1" noChangeArrowheads="1"/>
           </p:cNvPicPr>
           <p:nvPr/>
         </p:nvPicPr>
         <p:blipFill>
-          <a:blip r:embed="rId3"/>
-          <a:srcRect r="3284"/>
+          <a:blip r:embed="rId3">
+            <a:extLst>
+              <a:ext uri="{28A0092B-C50C-407E-A947-70E740481C1C}">
+                <a14:useLocalDpi xmlns:a14="http://schemas.microsoft.com/office/drawing/2010/main" val="0"/>
+              </a:ext>
+            </a:extLst>
+          </a:blip>
+          <a:srcRect/>
           <a:stretch>
             <a:fillRect/>
           </a:stretch>
         </p:blipFill>
-        <p:spPr>
+        <p:spPr bwMode="auto">
           <a:xfrm>
-            <a:off x="7349940" y="2270323"/>
-            <a:ext cx="16858242" cy="9175317"/>
+            <a:off x="863600" y="3386667"/>
+            <a:ext cx="7197725" cy="7734869"/>
           </a:xfrm>
           <a:prstGeom prst="rect">
             <a:avLst/>
           </a:prstGeom>
-          <a:ln w="12700">
-            <a:miter lim="400000"/>
+          <a:noFill/>
+          <a:ln>
+            <a:noFill/>
           </a:ln>
+          <a:effectLst/>
+          <a:extLst>
+            <a:ext uri="{909E8E84-426E-40DD-AFC4-6F175D3DCCD1}">
+              <a14:hiddenFill xmlns:a14="http://schemas.microsoft.com/office/drawing/2010/main">
+                <a:solidFill>
+                  <a:schemeClr val="accent1"/>
+                </a:solidFill>
+              </a14:hiddenFill>
+            </a:ext>
+            <a:ext uri="{91240B29-F687-4F45-9708-019B960494DF}">
+              <a14:hiddenLine xmlns:a14="http://schemas.microsoft.com/office/drawing/2010/main" w="9525">
+                <a:solidFill>
+                  <a:schemeClr val="tx1"/>
+                </a:solidFill>
+                <a:miter lim="800000"/>
+                <a:headEnd/>
+                <a:tailEnd/>
+              </a14:hiddenLine>
+            </a:ext>
+            <a:ext uri="{AF507438-7753-43E0-B8FC-AC1667EBCBE1}">
+              <a14:hiddenEffects xmlns:a14="http://schemas.microsoft.com/office/drawing/2010/main">
+                <a:effectLst>
+                  <a:outerShdw dist="35921" dir="2700000" algn="ctr" rotWithShape="0">
+                    <a:schemeClr val="bg2"/>
+                  </a:outerShdw>
+                </a:effectLst>
+              </a14:hiddenEffects>
+            </a:ext>
+          </a:extLst>
         </p:spPr>
       </p:pic>
     </p:spTree>
@@ -8039,7 +8116,7 @@
           </a:ln>
           <a:extLst>
             <a:ext uri="{C572A759-6A51-4108-AA02-DFA0A04FC94B}">
-              <ma14:wrappingTextBoxFlag xmlns:ma14="http://schemas.microsoft.com/office/mac/drawingml/2011/main" xmlns:a14="http://schemas.microsoft.com/office/drawing/2010/main" xmlns:m="http://schemas.openxmlformats.org/officeDocument/2006/math" xmlns="" val="1"/>
+              <ma14:wrappingTextBoxFlag xmlns="" xmlns:m="http://schemas.openxmlformats.org/officeDocument/2006/math" xmlns:a14="http://schemas.microsoft.com/office/drawing/2010/main" xmlns:ma14="http://schemas.microsoft.com/office/mac/drawingml/2011/main" val="1"/>
             </a:ext>
           </a:extLst>
         </p:spPr>
@@ -8398,7 +8475,7 @@
           <p:cNvPr id="5" name="Picture 4">
             <a:extLst>
               <a:ext uri="{FF2B5EF4-FFF2-40B4-BE49-F238E27FC236}">
-                <a16:creationId xmlns:a16="http://schemas.microsoft.com/office/drawing/2014/main" id="{F2BBE8AE-DFA8-FD4D-A052-24D67D670EF5}"/>
+                <a16:creationId xmlns:a16="http://schemas.microsoft.com/office/drawing/2014/main" xmlns="" id="{F2BBE8AE-DFA8-FD4D-A052-24D67D670EF5}"/>
               </a:ext>
             </a:extLst>
           </p:cNvPr>
@@ -8530,7 +8607,7 @@
           </a:prstGeom>
           <a:extLst>
             <a:ext uri="{C572A759-6A51-4108-AA02-DFA0A04FC94B}">
-              <ma14:wrappingTextBoxFlag xmlns:ma14="http://schemas.microsoft.com/office/mac/drawingml/2011/main" xmlns:a14="http://schemas.microsoft.com/office/drawing/2010/main" xmlns:m="http://schemas.openxmlformats.org/officeDocument/2006/math" xmlns="" val="1"/>
+              <ma14:wrappingTextBoxFlag xmlns="" xmlns:m="http://schemas.openxmlformats.org/officeDocument/2006/math" xmlns:a14="http://schemas.microsoft.com/office/drawing/2010/main" xmlns:ma14="http://schemas.microsoft.com/office/mac/drawingml/2011/main" val="1"/>
             </a:ext>
           </a:extLst>
         </p:spPr>
@@ -8748,8 +8825,8 @@
           </a:ln>
         </p:spPr>
       </p:pic>
-      <mc:AlternateContent xmlns:mc="http://schemas.openxmlformats.org/markup-compatibility/2006">
-        <mc:Choice xmlns:a14="http://schemas.microsoft.com/office/drawing/2010/main" Requires="a14">
+      <mc:AlternateContent xmlns:mc="http://schemas.openxmlformats.org/markup-compatibility/2006" xmlns:a14="http://schemas.microsoft.com/office/drawing/2010/main">
+        <mc:Choice Requires="a14">
           <p:sp>
             <p:nvSpPr>
               <p:cNvPr id="181" name="podaci o godinama/težini/visini/otkucajima srca dolaze iz normalne razdiobe…"/>
@@ -8769,7 +8846,7 @@
               </a:ln>
               <a:extLst>
                 <a:ext uri="{C572A759-6A51-4108-AA02-DFA0A04FC94B}">
-                  <ma14:wrappingTextBoxFlag xmlns:ma14="http://schemas.microsoft.com/office/mac/drawingml/2011/main" xmlns:m="http://schemas.openxmlformats.org/officeDocument/2006/math" xmlns="" val="1"/>
+                  <ma14:wrappingTextBoxFlag xmlns="" xmlns:m="http://schemas.openxmlformats.org/officeDocument/2006/math" xmlns:ma14="http://schemas.microsoft.com/office/mac/drawingml/2011/main" val="1"/>
                 </a:ext>
               </a:extLst>
             </p:spPr>
@@ -8799,11 +8876,11 @@
                     <m:sSub>
                       <m:sSubPr>
                         <m:ctrlPr>
-                          <a:rPr sz="4800">
-                            <a:solidFill>
-                              <a:srgbClr val="000000"/>
-                            </a:solidFill>
-                            <a:latin typeface="Cambria Math" panose="02040503050406030204" pitchFamily="18" charset="0"/>
+                          <a:rPr sz="4800" i="1">
+                            <a:solidFill>
+                              <a:srgbClr val="000000"/>
+                            </a:solidFill>
+                            <a:latin typeface="Cambria Math"/>
                           </a:rPr>
                         </m:ctrlPr>
                       </m:sSubPr>
@@ -8866,11 +8943,11 @@
                     <m:sSub>
                       <m:sSubPr>
                         <m:ctrlPr>
-                          <a:rPr sz="4800">
-                            <a:solidFill>
-                              <a:srgbClr val="000000"/>
-                            </a:solidFill>
-                            <a:latin typeface="Cambria Math" panose="02040503050406030204" pitchFamily="18" charset="0"/>
+                          <a:rPr sz="4800" i="1">
+                            <a:solidFill>
+                              <a:srgbClr val="000000"/>
+                            </a:solidFill>
+                            <a:latin typeface="Cambria Math"/>
                           </a:rPr>
                         </m:ctrlPr>
                       </m:sSubPr>
@@ -8915,7 +8992,7 @@
             </p:txBody>
           </p:sp>
         </mc:Choice>
-        <mc:Fallback>
+        <mc:Fallback xmlns="">
           <p:sp>
             <p:nvSpPr>
               <p:cNvPr id="181" name="podaci o godinama/težini/visini/otkucajima srca dolaze iz normalne razdiobe…"/>
@@ -8981,7 +9058,7 @@
           </a:ln>
           <a:extLst>
             <a:ext uri="{C572A759-6A51-4108-AA02-DFA0A04FC94B}">
-              <ma14:wrappingTextBoxFlag xmlns:ma14="http://schemas.microsoft.com/office/mac/drawingml/2011/main" xmlns:a14="http://schemas.microsoft.com/office/drawing/2010/main" xmlns:m="http://schemas.openxmlformats.org/officeDocument/2006/math" xmlns="" val="1"/>
+              <ma14:wrappingTextBoxFlag xmlns="" xmlns:m="http://schemas.openxmlformats.org/officeDocument/2006/math" xmlns:a14="http://schemas.microsoft.com/office/drawing/2010/main" xmlns:ma14="http://schemas.microsoft.com/office/mac/drawingml/2011/main" val="1"/>
             </a:ext>
           </a:extLst>
         </p:spPr>
